--- a/slides/slides.pptx
+++ b/slides/slides.pptx
@@ -7,7 +7,7 @@
     <p:sldMasterId id="2147483948" r:id="rId3"/>
   </p:sldMasterIdLst>
   <p:notesMasterIdLst>
-    <p:notesMasterId r:id="rId21"/>
+    <p:notesMasterId r:id="rId27"/>
   </p:notesMasterIdLst>
   <p:sldIdLst>
     <p:sldId id="256" r:id="rId4"/>
@@ -23,10 +23,16 @@
     <p:sldId id="266" r:id="rId14"/>
     <p:sldId id="263" r:id="rId15"/>
     <p:sldId id="268" r:id="rId16"/>
-    <p:sldId id="269" r:id="rId17"/>
-    <p:sldId id="270" r:id="rId18"/>
-    <p:sldId id="272" r:id="rId19"/>
-    <p:sldId id="271" r:id="rId20"/>
+    <p:sldId id="273" r:id="rId17"/>
+    <p:sldId id="269" r:id="rId18"/>
+    <p:sldId id="274" r:id="rId19"/>
+    <p:sldId id="270" r:id="rId20"/>
+    <p:sldId id="276" r:id="rId21"/>
+    <p:sldId id="272" r:id="rId22"/>
+    <p:sldId id="277" r:id="rId23"/>
+    <p:sldId id="275" r:id="rId24"/>
+    <p:sldId id="278" r:id="rId25"/>
+    <p:sldId id="271" r:id="rId26"/>
   </p:sldIdLst>
   <p:sldSz cx="9144000" cy="6858000" type="screen4x3"/>
   <p:notesSz cx="6858000" cy="9144000"/>
@@ -918,7 +924,19 @@
           </a:r>
           <a:r>
             <a:rPr lang="fr-FR" b="1" dirty="0" smtClean="0"/>
-            <a:t> not a spam</a:t>
+            <a:t> </a:t>
+          </a:r>
+          <a:r>
+            <a:rPr lang="fr-FR" b="1" dirty="0" err="1" smtClean="0"/>
+            <a:t>well</a:t>
+          </a:r>
+          <a:r>
+            <a:rPr lang="fr-FR" b="1" dirty="0" smtClean="0"/>
+            <a:t> </a:t>
+          </a:r>
+          <a:r>
+            <a:rPr lang="fr-FR" b="1" dirty="0" err="1" smtClean="0"/>
+            <a:t>formed</a:t>
           </a:r>
           <a:endParaRPr lang="fr-FR" b="1" dirty="0"/>
         </a:p>
@@ -1000,7 +1018,11 @@
           </a:r>
           <a:r>
             <a:rPr lang="fr-FR" dirty="0" smtClean="0"/>
-            <a:t> speakers</a:t>
+            <a:t> </a:t>
+          </a:r>
+          <a:r>
+            <a:rPr lang="fr-FR" dirty="0" err="1" smtClean="0"/>
+            <a:t>submitter</a:t>
           </a:r>
           <a:endParaRPr lang="fr-FR" dirty="0"/>
         </a:p>
@@ -1083,6 +1105,13 @@
         </dgm:presLayoutVars>
       </dgm:prSet>
       <dgm:spPr/>
+      <dgm:t>
+        <a:bodyPr/>
+        <a:lstStyle/>
+        <a:p>
+          <a:endParaRPr lang="fr-FR"/>
+        </a:p>
+      </dgm:t>
     </dgm:pt>
     <dgm:pt modelId="{1CDADD54-F1DE-4A6A-BBC9-1E20732A2B3C}" type="pres">
       <dgm:prSet presAssocID="{1C6EAC4A-E155-46A8-A018-8CC4DBF07C73}" presName="composite" presStyleCnt="0"/>
@@ -1101,6 +1130,13 @@
         </dgm:presLayoutVars>
       </dgm:prSet>
       <dgm:spPr/>
+      <dgm:t>
+        <a:bodyPr/>
+        <a:lstStyle/>
+        <a:p>
+          <a:endParaRPr lang="fr-FR"/>
+        </a:p>
+      </dgm:t>
     </dgm:pt>
     <dgm:pt modelId="{F7B29FF9-1C6E-460A-B0E4-F81D89AB15AF}" type="pres">
       <dgm:prSet presAssocID="{1C6EAC4A-E155-46A8-A018-8CC4DBF07C73}" presName="ChildText" presStyleLbl="revTx" presStyleIdx="0" presStyleCnt="3">
@@ -1186,6 +1222,13 @@
         </dgm:presLayoutVars>
       </dgm:prSet>
       <dgm:spPr/>
+      <dgm:t>
+        <a:bodyPr/>
+        <a:lstStyle/>
+        <a:p>
+          <a:endParaRPr lang="fr-FR"/>
+        </a:p>
+      </dgm:t>
     </dgm:pt>
     <dgm:pt modelId="{EA36F213-A666-4581-9931-6ED690477289}" type="pres">
       <dgm:prSet presAssocID="{81DDD6F4-8277-4724-9645-34654D22A08B}" presName="ChildText" presStyleLbl="revTx" presStyleIdx="2" presStyleCnt="3">
@@ -1221,18 +1264,25 @@
         </dgm:presLayoutVars>
       </dgm:prSet>
       <dgm:spPr/>
+      <dgm:t>
+        <a:bodyPr/>
+        <a:lstStyle/>
+        <a:p>
+          <a:endParaRPr lang="fr-FR"/>
+        </a:p>
+      </dgm:t>
     </dgm:pt>
   </dgm:ptLst>
   <dgm:cxnLst>
-    <dgm:cxn modelId="{1937103B-6957-48F6-A9A9-F56B076602E0}" type="presOf" srcId="{3A4571FA-0FE8-49E5-A76D-B099492B04EA}" destId="{6D69BBCB-94D2-4CCC-82EB-6554FE227274}" srcOrd="0" destOrd="0" presId="urn:microsoft.com/office/officeart/2005/8/layout/StepDownProcess"/>
-    <dgm:cxn modelId="{2B12AB99-C42E-46F2-8590-87C408ECFF2D}" type="presOf" srcId="{81DDD6F4-8277-4724-9645-34654D22A08B}" destId="{0841B16D-DB42-467D-877A-FD3F3080AB8F}" srcOrd="0" destOrd="0" presId="urn:microsoft.com/office/officeart/2005/8/layout/StepDownProcess"/>
     <dgm:cxn modelId="{4B9AF63A-AE79-4914-BF59-E06C717E50F2}" srcId="{04BDA976-B2EC-48F7-BF5F-17DCFDC9611F}" destId="{3A4571FA-0FE8-49E5-A76D-B099492B04EA}" srcOrd="1" destOrd="0" parTransId="{E3028A3C-2A1A-4AE0-86B3-08256ECC75BC}" sibTransId="{BC961DA9-ADE9-4330-A0C4-CA9606798F7F}"/>
     <dgm:cxn modelId="{0DDE4446-3EB7-4242-BF6C-952D09531584}" type="presOf" srcId="{04BDA976-B2EC-48F7-BF5F-17DCFDC9611F}" destId="{CFD2EDD5-2858-4BDB-80E3-2552712DE911}" srcOrd="0" destOrd="0" presId="urn:microsoft.com/office/officeart/2005/8/layout/StepDownProcess"/>
+    <dgm:cxn modelId="{8B2D775E-E0E9-442A-9894-666E280F465B}" type="presOf" srcId="{44CCB8EE-769E-4CD1-B591-89928B4C8430}" destId="{A9428C27-B0A8-4F57-9C11-36910A3F60FF}" srcOrd="0" destOrd="0" presId="urn:microsoft.com/office/officeart/2005/8/layout/StepDownProcess"/>
+    <dgm:cxn modelId="{52CA2074-200F-4E9F-AAEE-13F2A3EB4D77}" srcId="{04BDA976-B2EC-48F7-BF5F-17DCFDC9611F}" destId="{1C6EAC4A-E155-46A8-A018-8CC4DBF07C73}" srcOrd="0" destOrd="0" parTransId="{FA731853-BAF2-4EB1-9070-862A5042559D}" sibTransId="{C562AD94-A220-4B76-AA51-BE6138F8A7BC}"/>
+    <dgm:cxn modelId="{1937103B-6957-48F6-A9A9-F56B076602E0}" type="presOf" srcId="{3A4571FA-0FE8-49E5-A76D-B099492B04EA}" destId="{6D69BBCB-94D2-4CCC-82EB-6554FE227274}" srcOrd="0" destOrd="0" presId="urn:microsoft.com/office/officeart/2005/8/layout/StepDownProcess"/>
     <dgm:cxn modelId="{0AB43D1E-8FB3-488F-8269-979AC3AD1C6A}" type="presOf" srcId="{1C6EAC4A-E155-46A8-A018-8CC4DBF07C73}" destId="{AA3CDC83-71B4-4053-BC7D-67427BB8C828}" srcOrd="0" destOrd="0" presId="urn:microsoft.com/office/officeart/2005/8/layout/StepDownProcess"/>
-    <dgm:cxn modelId="{52CA2074-200F-4E9F-AAEE-13F2A3EB4D77}" srcId="{04BDA976-B2EC-48F7-BF5F-17DCFDC9611F}" destId="{1C6EAC4A-E155-46A8-A018-8CC4DBF07C73}" srcOrd="0" destOrd="0" parTransId="{FA731853-BAF2-4EB1-9070-862A5042559D}" sibTransId="{C562AD94-A220-4B76-AA51-BE6138F8A7BC}"/>
+    <dgm:cxn modelId="{4263CF1D-116A-4CB4-ADDD-251085D889C9}" srcId="{04BDA976-B2EC-48F7-BF5F-17DCFDC9611F}" destId="{44CCB8EE-769E-4CD1-B591-89928B4C8430}" srcOrd="3" destOrd="0" parTransId="{73B68270-B271-4866-84A8-DA73E4E9017E}" sibTransId="{3EDED227-F199-477A-9307-A2A2A0AF5556}"/>
     <dgm:cxn modelId="{A5DDC506-7C94-403C-8E73-0C76FDB772DB}" srcId="{04BDA976-B2EC-48F7-BF5F-17DCFDC9611F}" destId="{81DDD6F4-8277-4724-9645-34654D22A08B}" srcOrd="2" destOrd="0" parTransId="{68A0B084-4653-4F82-BAE0-84D2784FAA7A}" sibTransId="{8A5BC61F-8E73-46D4-8797-84B7B3C91335}"/>
-    <dgm:cxn modelId="{8B2D775E-E0E9-442A-9894-666E280F465B}" type="presOf" srcId="{44CCB8EE-769E-4CD1-B591-89928B4C8430}" destId="{A9428C27-B0A8-4F57-9C11-36910A3F60FF}" srcOrd="0" destOrd="0" presId="urn:microsoft.com/office/officeart/2005/8/layout/StepDownProcess"/>
-    <dgm:cxn modelId="{4263CF1D-116A-4CB4-ADDD-251085D889C9}" srcId="{04BDA976-B2EC-48F7-BF5F-17DCFDC9611F}" destId="{44CCB8EE-769E-4CD1-B591-89928B4C8430}" srcOrd="3" destOrd="0" parTransId="{73B68270-B271-4866-84A8-DA73E4E9017E}" sibTransId="{3EDED227-F199-477A-9307-A2A2A0AF5556}"/>
+    <dgm:cxn modelId="{2B12AB99-C42E-46F2-8590-87C408ECFF2D}" type="presOf" srcId="{81DDD6F4-8277-4724-9645-34654D22A08B}" destId="{0841B16D-DB42-467D-877A-FD3F3080AB8F}" srcOrd="0" destOrd="0" presId="urn:microsoft.com/office/officeart/2005/8/layout/StepDownProcess"/>
     <dgm:cxn modelId="{B89F0AFF-9FF1-4CBB-8851-E8D3648FF56B}" type="presParOf" srcId="{CFD2EDD5-2858-4BDB-80E3-2552712DE911}" destId="{1CDADD54-F1DE-4A6A-BBC9-1E20732A2B3C}" srcOrd="0" destOrd="0" presId="urn:microsoft.com/office/officeart/2005/8/layout/StepDownProcess"/>
     <dgm:cxn modelId="{D6A379B7-B912-4467-827B-2EEA4F718DF4}" type="presParOf" srcId="{1CDADD54-F1DE-4A6A-BBC9-1E20732A2B3C}" destId="{52D7E23B-C9EF-4EB2-925D-091BF3433F32}" srcOrd="0" destOrd="0" presId="urn:microsoft.com/office/officeart/2005/8/layout/StepDownProcess"/>
     <dgm:cxn modelId="{C0B37836-2EB4-46B3-9899-62B469070095}" type="presParOf" srcId="{1CDADD54-F1DE-4A6A-BBC9-1E20732A2B3C}" destId="{AA3CDC83-71B4-4053-BC7D-67427BB8C828}" srcOrd="1" destOrd="0" presId="urn:microsoft.com/office/officeart/2005/8/layout/StepDownProcess"/>
@@ -1581,7 +1631,19 @@
           </a:r>
           <a:r>
             <a:rPr lang="fr-FR" sz="1300" b="1" kern="1200" dirty="0" smtClean="0"/>
-            <a:t> not a spam</a:t>
+            <a:t> </a:t>
+          </a:r>
+          <a:r>
+            <a:rPr lang="fr-FR" sz="1300" b="1" kern="1200" dirty="0" err="1" smtClean="0"/>
+            <a:t>well</a:t>
+          </a:r>
+          <a:r>
+            <a:rPr lang="fr-FR" sz="1300" b="1" kern="1200" dirty="0" smtClean="0"/>
+            <a:t> </a:t>
+          </a:r>
+          <a:r>
+            <a:rPr lang="fr-FR" sz="1300" b="1" kern="1200" dirty="0" err="1" smtClean="0"/>
+            <a:t>formed</a:t>
           </a:r>
           <a:endParaRPr lang="fr-FR" sz="1300" b="1" kern="1200" dirty="0"/>
         </a:p>
@@ -1863,7 +1925,11 @@
           </a:r>
           <a:r>
             <a:rPr lang="fr-FR" sz="1300" kern="1200" dirty="0" smtClean="0"/>
-            <a:t> speakers</a:t>
+            <a:t> </a:t>
+          </a:r>
+          <a:r>
+            <a:rPr lang="fr-FR" sz="1300" kern="1200" dirty="0" err="1" smtClean="0"/>
+            <a:t>submitter</a:t>
           </a:r>
           <a:endParaRPr lang="fr-FR" sz="1300" kern="1200" dirty="0"/>
         </a:p>
@@ -3311,7 +3377,7 @@
           <a:p>
             <a:fld id="{96C19B55-37FC-4427-82AC-FBA3F7D4FC0A}" type="datetimeFigureOut">
               <a:rPr lang="fr-FR" smtClean="0"/>
-              <a:t>11/09/2012</a:t>
+              <a:t>12/09/2012</a:t>
             </a:fld>
             <a:endParaRPr lang="fr-FR"/>
           </a:p>
@@ -3791,7 +3857,7 @@
           <a:p>
             <a:fld id="{AA309A6D-C09C-4548-B29A-6CF363A7E532}" type="datetimeFigureOut">
               <a:rPr lang="fr-FR" smtClean="0"/>
-              <a:t>11/09/2012</a:t>
+              <a:t>12/09/2012</a:t>
             </a:fld>
             <a:endParaRPr lang="fr-BE"/>
           </a:p>
@@ -3968,7 +4034,7 @@
           <a:p>
             <a:fld id="{AA309A6D-C09C-4548-B29A-6CF363A7E532}" type="datetimeFigureOut">
               <a:rPr lang="fr-FR" smtClean="0"/>
-              <a:t>11/09/2012</a:t>
+              <a:t>12/09/2012</a:t>
             </a:fld>
             <a:endParaRPr lang="fr-BE"/>
           </a:p>
@@ -4155,7 +4221,7 @@
           <a:p>
             <a:fld id="{AA309A6D-C09C-4548-B29A-6CF363A7E532}" type="datetimeFigureOut">
               <a:rPr lang="fr-FR" smtClean="0"/>
-              <a:t>11/09/2012</a:t>
+              <a:t>12/09/2012</a:t>
             </a:fld>
             <a:endParaRPr lang="fr-BE"/>
           </a:p>
@@ -6150,7 +6216,7 @@
           <a:p>
             <a:fld id="{AA309A6D-C09C-4548-B29A-6CF363A7E532}" type="datetimeFigureOut">
               <a:rPr lang="fr-FR" smtClean="0"/>
-              <a:t>11/09/2012</a:t>
+              <a:t>12/09/2012</a:t>
             </a:fld>
             <a:endParaRPr lang="fr-BE"/>
           </a:p>
@@ -8518,7 +8584,7 @@
           <a:p>
             <a:fld id="{AA309A6D-C09C-4548-B29A-6CF363A7E532}" type="datetimeFigureOut">
               <a:rPr lang="fr-FR" smtClean="0"/>
-              <a:t>11/09/2012</a:t>
+              <a:t>12/09/2012</a:t>
             </a:fld>
             <a:endParaRPr lang="fr-BE"/>
           </a:p>
@@ -9648,7 +9714,7 @@
           <a:p>
             <a:fld id="{AA309A6D-C09C-4548-B29A-6CF363A7E532}" type="datetimeFigureOut">
               <a:rPr lang="fr-FR" smtClean="0"/>
-              <a:t>11/09/2012</a:t>
+              <a:t>12/09/2012</a:t>
             </a:fld>
             <a:endParaRPr lang="fr-BE"/>
           </a:p>
@@ -10082,7 +10148,7 @@
           <a:p>
             <a:fld id="{AA309A6D-C09C-4548-B29A-6CF363A7E532}" type="datetimeFigureOut">
               <a:rPr lang="fr-FR" smtClean="0"/>
-              <a:t>11/09/2012</a:t>
+              <a:t>12/09/2012</a:t>
             </a:fld>
             <a:endParaRPr lang="fr-BE"/>
           </a:p>
@@ -10207,7 +10273,7 @@
           <a:p>
             <a:fld id="{AA309A6D-C09C-4548-B29A-6CF363A7E532}" type="datetimeFigureOut">
               <a:rPr lang="fr-FR" smtClean="0"/>
-              <a:t>11/09/2012</a:t>
+              <a:t>12/09/2012</a:t>
             </a:fld>
             <a:endParaRPr lang="fr-BE"/>
           </a:p>
@@ -10309,7 +10375,7 @@
           <a:p>
             <a:fld id="{AA309A6D-C09C-4548-B29A-6CF363A7E532}" type="datetimeFigureOut">
               <a:rPr lang="fr-FR" smtClean="0"/>
-              <a:t>11/09/2012</a:t>
+              <a:t>12/09/2012</a:t>
             </a:fld>
             <a:endParaRPr lang="fr-BE"/>
           </a:p>
@@ -10593,7 +10659,7 @@
           <a:p>
             <a:fld id="{AA309A6D-C09C-4548-B29A-6CF363A7E532}" type="datetimeFigureOut">
               <a:rPr lang="fr-FR" smtClean="0"/>
-              <a:t>11/09/2012</a:t>
+              <a:t>12/09/2012</a:t>
             </a:fld>
             <a:endParaRPr lang="fr-BE"/>
           </a:p>
@@ -10857,7 +10923,7 @@
           <a:p>
             <a:fld id="{AA309A6D-C09C-4548-B29A-6CF363A7E532}" type="datetimeFigureOut">
               <a:rPr lang="fr-FR" smtClean="0"/>
-              <a:t>11/09/2012</a:t>
+              <a:t>12/09/2012</a:t>
             </a:fld>
             <a:endParaRPr lang="fr-BE"/>
           </a:p>
@@ -10993,7 +11059,6 @@
               <a:rPr lang="fr-FR" smtClean="0"/>
               <a:t>Modifiez le style du titre</a:t>
             </a:r>
-            <a:endParaRPr lang="fr-FR" smtClean="0"/>
           </a:p>
         </p:txBody>
       </p:sp>
@@ -11068,7 +11133,6 @@
               <a:rPr lang="fr-FR" smtClean="0"/>
               <a:t>Cinquième niveau</a:t>
             </a:r>
-            <a:endParaRPr lang="fr-FR" smtClean="0"/>
           </a:p>
         </p:txBody>
       </p:sp>
@@ -11113,7 +11177,7 @@
           <a:p>
             <a:fld id="{AA309A6D-C09C-4548-B29A-6CF363A7E532}" type="datetimeFigureOut">
               <a:rPr lang="fr-FR" smtClean="0"/>
-              <a:t>11/09/2012</a:t>
+              <a:t>12/09/2012</a:t>
             </a:fld>
             <a:endParaRPr lang="fr-BE"/>
           </a:p>
@@ -11757,7 +11821,6 @@
               <a:rPr lang="fr-FR" smtClean="0"/>
               <a:t>Modifiez le style du titre</a:t>
             </a:r>
-            <a:endParaRPr lang="fr-FR" smtClean="0"/>
           </a:p>
         </p:txBody>
       </p:sp>
@@ -11832,7 +11895,6 @@
               <a:rPr lang="fr-FR" smtClean="0"/>
               <a:t>Cinquième niveau</a:t>
             </a:r>
-            <a:endParaRPr lang="fr-FR" smtClean="0"/>
           </a:p>
         </p:txBody>
       </p:sp>
@@ -12732,7 +12794,7 @@
           <a:p>
             <a:fld id="{AA309A6D-C09C-4548-B29A-6CF363A7E532}" type="datetimeFigureOut">
               <a:rPr lang="fr-FR" smtClean="0"/>
-              <a:t>11/09/2012</a:t>
+              <a:t>12/09/2012</a:t>
             </a:fld>
             <a:endParaRPr lang="fr-BE"/>
           </a:p>
@@ -13091,11 +13153,7 @@
             </a:r>
             <a:r>
               <a:rPr lang="fr-FR" sz="4800" b="1" dirty="0" smtClean="0"/>
-              <a:t> business web </a:t>
-            </a:r>
-            <a:r>
-              <a:rPr lang="fr-FR" sz="4800" b="1" dirty="0" smtClean="0"/>
-              <a:t>applications </a:t>
+              <a:t> business web applications </a:t>
             </a:r>
             <a:r>
               <a:rPr lang="fr-FR" sz="4800" b="1" dirty="0" err="1" smtClean="0"/>
@@ -14094,7 +14152,7 @@
           <p:nvPr>
             <p:extLst>
               <p:ext uri="{D42A27DB-BD31-4B8C-83A1-F6EECF244321}">
-                <p14:modId xmlns:p14="http://schemas.microsoft.com/office/powerpoint/2010/main" val="3148668054"/>
+                <p14:modId xmlns:p14="http://schemas.microsoft.com/office/powerpoint/2010/main" val="1009654652"/>
               </p:ext>
             </p:extLst>
           </p:nvPr>
@@ -14352,6 +14410,285 @@
             </a:r>
             <a:r>
               <a:rPr lang="fr-FR" dirty="0" smtClean="0"/>
+              <a:t> #</a:t>
+            </a:r>
+            <a:r>
+              <a:rPr lang="fr-FR" dirty="0" smtClean="0"/>
+              <a:t>1</a:t>
+            </a:r>
+            <a:br>
+              <a:rPr lang="fr-FR" dirty="0" smtClean="0"/>
+            </a:br>
+            <a:r>
+              <a:rPr lang="fr-FR" sz="2400" dirty="0" smtClean="0"/>
+              <a:t>Solution</a:t>
+            </a:r>
+            <a:endParaRPr lang="fr-FR" dirty="0"/>
+          </a:p>
+        </p:txBody>
+      </p:sp>
+      <p:sp>
+        <p:nvSpPr>
+          <p:cNvPr id="5" name="Espace réservé du contenu 2"/>
+          <p:cNvSpPr>
+            <a:spLocks noGrp="1"/>
+          </p:cNvSpPr>
+          <p:nvPr>
+            <p:ph idx="1"/>
+          </p:nvPr>
+        </p:nvSpPr>
+        <p:spPr>
+          <a:xfrm>
+            <a:off x="457200" y="1600200"/>
+            <a:ext cx="7620000" cy="4800600"/>
+          </a:xfrm>
+        </p:spPr>
+        <p:txBody>
+          <a:bodyPr/>
+          <a:lstStyle/>
+          <a:p>
+            <a:r>
+              <a:rPr lang="fr-FR" dirty="0" err="1" smtClean="0"/>
+              <a:t>Create</a:t>
+            </a:r>
+            <a:r>
+              <a:rPr lang="fr-FR" dirty="0" smtClean="0"/>
+              <a:t> a </a:t>
+            </a:r>
+            <a:r>
+              <a:rPr lang="fr-FR" dirty="0" err="1" smtClean="0"/>
+              <a:t>task</a:t>
+            </a:r>
+            <a:r>
+              <a:rPr lang="fr-FR" dirty="0" smtClean="0"/>
+              <a:t> to </a:t>
+            </a:r>
+            <a:r>
+              <a:rPr lang="fr-FR" dirty="0" err="1" smtClean="0"/>
+              <a:t>notify</a:t>
+            </a:r>
+            <a:r>
+              <a:rPr lang="fr-FR" dirty="0" smtClean="0"/>
+              <a:t> the user</a:t>
+            </a:r>
+          </a:p>
+          <a:p>
+            <a:r>
+              <a:rPr lang="fr-FR" dirty="0" err="1" smtClean="0"/>
+              <a:t>Add</a:t>
+            </a:r>
+            <a:r>
+              <a:rPr lang="fr-FR" dirty="0" smtClean="0"/>
+              <a:t> a </a:t>
+            </a:r>
+            <a:r>
+              <a:rPr lang="fr-FR" dirty="0" err="1" smtClean="0"/>
+              <a:t>connector</a:t>
+            </a:r>
+            <a:r>
+              <a:rPr lang="fr-FR" dirty="0" smtClean="0"/>
+              <a:t> to </a:t>
+            </a:r>
+            <a:r>
+              <a:rPr lang="fr-FR" dirty="0" err="1" smtClean="0"/>
+              <a:t>send</a:t>
+            </a:r>
+            <a:r>
+              <a:rPr lang="fr-FR" dirty="0" smtClean="0"/>
+              <a:t> the email</a:t>
+            </a:r>
+          </a:p>
+          <a:p>
+            <a:r>
+              <a:rPr lang="fr-FR" dirty="0" err="1" smtClean="0"/>
+              <a:t>What</a:t>
+            </a:r>
+            <a:r>
+              <a:rPr lang="fr-FR" dirty="0" smtClean="0"/>
+              <a:t> if </a:t>
+            </a:r>
+            <a:r>
+              <a:rPr lang="fr-FR" dirty="0" err="1" smtClean="0"/>
+              <a:t>there’s</a:t>
+            </a:r>
+            <a:r>
+              <a:rPr lang="fr-FR" dirty="0" smtClean="0"/>
+              <a:t> an </a:t>
+            </a:r>
+            <a:r>
+              <a:rPr lang="fr-FR" dirty="0" err="1" smtClean="0"/>
+              <a:t>error</a:t>
+            </a:r>
+            <a:r>
+              <a:rPr lang="fr-FR" dirty="0" smtClean="0"/>
+              <a:t> ?</a:t>
+            </a:r>
+          </a:p>
+          <a:p>
+            <a:pPr lvl="1"/>
+            <a:r>
+              <a:rPr lang="fr-FR" dirty="0" err="1" smtClean="0"/>
+              <a:t>Let’s</a:t>
+            </a:r>
+            <a:r>
+              <a:rPr lang="fr-FR" dirty="0" smtClean="0"/>
+              <a:t> ignore </a:t>
+            </a:r>
+            <a:r>
+              <a:rPr lang="fr-FR" dirty="0" err="1" smtClean="0"/>
+              <a:t>it</a:t>
+            </a:r>
+            <a:endParaRPr lang="fr-FR" dirty="0" smtClean="0"/>
+          </a:p>
+          <a:p>
+            <a:pPr lvl="1"/>
+            <a:endParaRPr lang="fr-FR" dirty="0"/>
+          </a:p>
+          <a:p>
+            <a:r>
+              <a:rPr lang="fr-FR" dirty="0" err="1" smtClean="0"/>
+              <a:t>Other</a:t>
+            </a:r>
+            <a:r>
+              <a:rPr lang="fr-FR" dirty="0" smtClean="0"/>
+              <a:t> solutions :</a:t>
+            </a:r>
+          </a:p>
+          <a:p>
+            <a:pPr marL="708660" lvl="2">
+              <a:buClr>
+                <a:schemeClr val="accent1"/>
+              </a:buClr>
+            </a:pPr>
+            <a:r>
+              <a:rPr lang="fr-FR" dirty="0" err="1"/>
+              <a:t>Handle</a:t>
+            </a:r>
+            <a:r>
+              <a:rPr lang="fr-FR" dirty="0"/>
+              <a:t> </a:t>
+            </a:r>
+            <a:r>
+              <a:rPr lang="fr-FR" dirty="0" smtClean="0"/>
+              <a:t>the </a:t>
+            </a:r>
+            <a:r>
+              <a:rPr lang="fr-FR" dirty="0" err="1" smtClean="0"/>
+              <a:t>error</a:t>
+            </a:r>
+            <a:r>
+              <a:rPr lang="fr-FR" dirty="0" smtClean="0"/>
+              <a:t> and </a:t>
+            </a:r>
+            <a:r>
+              <a:rPr lang="fr-FR" dirty="0" err="1" smtClean="0"/>
+              <a:t>create</a:t>
+            </a:r>
+            <a:r>
+              <a:rPr lang="fr-FR" dirty="0" smtClean="0"/>
+              <a:t> a </a:t>
+            </a:r>
+            <a:r>
+              <a:rPr lang="fr-FR" dirty="0" err="1" smtClean="0"/>
+              <a:t>task</a:t>
+            </a:r>
+            <a:r>
+              <a:rPr lang="fr-FR" dirty="0" smtClean="0"/>
+              <a:t> for </a:t>
+            </a:r>
+            <a:r>
+              <a:rPr lang="fr-FR" dirty="0" err="1" smtClean="0"/>
+              <a:t>notifying</a:t>
+            </a:r>
+            <a:r>
+              <a:rPr lang="fr-FR" dirty="0" smtClean="0"/>
+              <a:t> the user</a:t>
+            </a:r>
+          </a:p>
+          <a:p>
+            <a:pPr marL="708660" lvl="2">
+              <a:buClr>
+                <a:schemeClr val="accent1"/>
+              </a:buClr>
+            </a:pPr>
+            <a:r>
+              <a:rPr lang="fr-FR" dirty="0" smtClean="0"/>
+              <a:t>Stop the </a:t>
+            </a:r>
+            <a:r>
+              <a:rPr lang="fr-FR" dirty="0" err="1" smtClean="0"/>
+              <a:t>process</a:t>
+            </a:r>
+            <a:endParaRPr lang="fr-FR" dirty="0" smtClean="0"/>
+          </a:p>
+        </p:txBody>
+      </p:sp>
+    </p:spTree>
+    <p:extLst>
+      <p:ext uri="{BB962C8B-B14F-4D97-AF65-F5344CB8AC3E}">
+        <p14:creationId xmlns:p14="http://schemas.microsoft.com/office/powerpoint/2010/main" val="3022093598"/>
+      </p:ext>
+    </p:extLst>
+  </p:cSld>
+  <p:clrMapOvr>
+    <a:masterClrMapping/>
+  </p:clrMapOvr>
+  <p:timing>
+    <p:tnLst>
+      <p:par>
+        <p:cTn id="1" dur="indefinite" restart="never" nodeType="tmRoot"/>
+      </p:par>
+    </p:tnLst>
+  </p:timing>
+</p:sld>
+</file>
+
+<file path=ppt/slides/slide15.xml><?xml version="1.0" encoding="utf-8"?>
+<p:sld xmlns:a="http://schemas.openxmlformats.org/drawingml/2006/main" xmlns:r="http://schemas.openxmlformats.org/officeDocument/2006/relationships" xmlns:p="http://schemas.openxmlformats.org/presentationml/2006/main">
+  <p:cSld>
+    <p:spTree>
+      <p:nvGrpSpPr>
+        <p:cNvPr id="1" name=""/>
+        <p:cNvGrpSpPr/>
+        <p:nvPr/>
+      </p:nvGrpSpPr>
+      <p:grpSpPr>
+        <a:xfrm>
+          <a:off x="0" y="0"/>
+          <a:ext cx="0" cy="0"/>
+          <a:chOff x="0" y="0"/>
+          <a:chExt cx="0" cy="0"/>
+        </a:xfrm>
+      </p:grpSpPr>
+      <p:sp>
+        <p:nvSpPr>
+          <p:cNvPr id="2" name="Titre 1"/>
+          <p:cNvSpPr>
+            <a:spLocks noGrp="1"/>
+          </p:cNvSpPr>
+          <p:nvPr>
+            <p:ph type="title"/>
+          </p:nvPr>
+        </p:nvSpPr>
+        <p:spPr/>
+        <p:txBody>
+          <a:bodyPr/>
+          <a:lstStyle/>
+          <a:p>
+            <a:r>
+              <a:rPr lang="fr-FR" dirty="0" err="1" smtClean="0"/>
+              <a:t>Feature</a:t>
+            </a:r>
+            <a:r>
+              <a:rPr lang="fr-FR" dirty="0" smtClean="0"/>
+              <a:t> </a:t>
+            </a:r>
+            <a:r>
+              <a:rPr lang="fr-FR" dirty="0" err="1" smtClean="0"/>
+              <a:t>request</a:t>
+            </a:r>
+            <a:r>
+              <a:rPr lang="fr-FR" dirty="0" smtClean="0"/>
               <a:t> #2</a:t>
             </a:r>
             <a:endParaRPr lang="fr-FR" dirty="0"/>
@@ -14367,7 +14704,7 @@
         <p:spPr>
           <a:xfrm>
             <a:off x="1691680" y="2420888"/>
-            <a:ext cx="4896544" cy="2573691"/>
+            <a:ext cx="4896544" cy="1958138"/>
           </a:xfrm>
           <a:prstGeom prst="rect">
             <a:avLst/>
@@ -14404,37 +14741,35 @@
             </a:r>
             <a:r>
               <a:rPr lang="fr-FR" sz="4000" dirty="0" err="1" smtClean="0"/>
-              <a:t>that</a:t>
+              <a:t>paper</a:t>
             </a:r>
             <a:r>
               <a:rPr lang="fr-FR" sz="4000" dirty="0" smtClean="0"/>
               <a:t> </a:t>
             </a:r>
+            <a:endParaRPr lang="fr-FR" sz="4000" dirty="0" smtClean="0"/>
           </a:p>
           <a:p>
             <a:pPr algn="r"/>
             <a:r>
-              <a:rPr lang="fr-FR" sz="4000" dirty="0" smtClean="0"/>
-              <a:t>the </a:t>
-            </a:r>
-            <a:r>
               <a:rPr lang="fr-FR" sz="4000" dirty="0" err="1" smtClean="0"/>
-              <a:t>paper</a:t>
+              <a:t>is</a:t>
             </a:r>
             <a:r>
               <a:rPr lang="fr-FR" sz="4000" dirty="0" smtClean="0"/>
               <a:t> </a:t>
             </a:r>
-          </a:p>
-          <a:p>
-            <a:pPr algn="r"/>
             <a:r>
               <a:rPr lang="fr-FR" sz="4000" dirty="0" err="1" smtClean="0"/>
-              <a:t>is</a:t>
+              <a:t>well</a:t>
             </a:r>
             <a:r>
               <a:rPr lang="fr-FR" sz="4000" dirty="0" smtClean="0"/>
-              <a:t> not a spam</a:t>
+              <a:t> </a:t>
+            </a:r>
+            <a:r>
+              <a:rPr lang="fr-FR" sz="4000" dirty="0" err="1" smtClean="0"/>
+              <a:t>formed</a:t>
             </a:r>
             <a:endParaRPr lang="fr-FR" sz="4000" dirty="0"/>
           </a:p>
@@ -14501,7 +14836,285 @@
 </p:sld>
 </file>
 
-<file path=ppt/slides/slide15.xml><?xml version="1.0" encoding="utf-8"?>
+<file path=ppt/slides/slide16.xml><?xml version="1.0" encoding="utf-8"?>
+<p:sld xmlns:a="http://schemas.openxmlformats.org/drawingml/2006/main" xmlns:r="http://schemas.openxmlformats.org/officeDocument/2006/relationships" xmlns:p="http://schemas.openxmlformats.org/presentationml/2006/main">
+  <p:cSld>
+    <p:spTree>
+      <p:nvGrpSpPr>
+        <p:cNvPr id="1" name=""/>
+        <p:cNvGrpSpPr/>
+        <p:nvPr/>
+      </p:nvGrpSpPr>
+      <p:grpSpPr>
+        <a:xfrm>
+          <a:off x="0" y="0"/>
+          <a:ext cx="0" cy="0"/>
+          <a:chOff x="0" y="0"/>
+          <a:chExt cx="0" cy="0"/>
+        </a:xfrm>
+      </p:grpSpPr>
+      <p:sp>
+        <p:nvSpPr>
+          <p:cNvPr id="2" name="Titre 1"/>
+          <p:cNvSpPr>
+            <a:spLocks noGrp="1"/>
+          </p:cNvSpPr>
+          <p:nvPr>
+            <p:ph type="title"/>
+          </p:nvPr>
+        </p:nvSpPr>
+        <p:spPr/>
+        <p:txBody>
+          <a:bodyPr/>
+          <a:lstStyle/>
+          <a:p>
+            <a:r>
+              <a:rPr lang="fr-FR" dirty="0" err="1" smtClean="0"/>
+              <a:t>Feature</a:t>
+            </a:r>
+            <a:r>
+              <a:rPr lang="fr-FR" dirty="0" smtClean="0"/>
+              <a:t> </a:t>
+            </a:r>
+            <a:r>
+              <a:rPr lang="fr-FR" dirty="0" err="1" smtClean="0"/>
+              <a:t>request</a:t>
+            </a:r>
+            <a:r>
+              <a:rPr lang="fr-FR" dirty="0" smtClean="0"/>
+              <a:t> </a:t>
+            </a:r>
+            <a:r>
+              <a:rPr lang="fr-FR" dirty="0" smtClean="0"/>
+              <a:t>#2</a:t>
+            </a:r>
+            <a:br>
+              <a:rPr lang="fr-FR" dirty="0" smtClean="0"/>
+            </a:br>
+            <a:r>
+              <a:rPr lang="fr-FR" sz="2400" dirty="0" smtClean="0"/>
+              <a:t>Solution</a:t>
+            </a:r>
+            <a:endParaRPr lang="fr-FR" dirty="0"/>
+          </a:p>
+        </p:txBody>
+      </p:sp>
+      <p:sp>
+        <p:nvSpPr>
+          <p:cNvPr id="5" name="Espace réservé du contenu 2"/>
+          <p:cNvSpPr>
+            <a:spLocks noGrp="1"/>
+          </p:cNvSpPr>
+          <p:nvPr>
+            <p:ph idx="1"/>
+          </p:nvPr>
+        </p:nvSpPr>
+        <p:spPr>
+          <a:xfrm>
+            <a:off x="457200" y="1600200"/>
+            <a:ext cx="7620000" cy="4800600"/>
+          </a:xfrm>
+        </p:spPr>
+        <p:txBody>
+          <a:bodyPr/>
+          <a:lstStyle/>
+          <a:p>
+            <a:r>
+              <a:rPr lang="fr-FR" dirty="0" smtClean="0"/>
+              <a:t>Upgrade the </a:t>
+            </a:r>
+            <a:r>
+              <a:rPr lang="fr-FR" dirty="0" err="1" smtClean="0"/>
+              <a:t>process</a:t>
+            </a:r>
+            <a:r>
+              <a:rPr lang="fr-FR" dirty="0" smtClean="0"/>
+              <a:t> to </a:t>
+            </a:r>
+            <a:r>
+              <a:rPr lang="fr-FR" dirty="0" err="1" smtClean="0"/>
+              <a:t>ask</a:t>
+            </a:r>
+            <a:r>
+              <a:rPr lang="fr-FR" dirty="0" smtClean="0"/>
+              <a:t> for a validation</a:t>
+            </a:r>
+          </a:p>
+          <a:p>
+            <a:r>
+              <a:rPr lang="fr-FR" dirty="0" err="1" smtClean="0"/>
+              <a:t>Create</a:t>
+            </a:r>
+            <a:r>
+              <a:rPr lang="fr-FR" dirty="0" smtClean="0"/>
+              <a:t> </a:t>
+            </a:r>
+            <a:r>
+              <a:rPr lang="fr-FR" dirty="0" err="1" smtClean="0"/>
+              <a:t>two</a:t>
+            </a:r>
+            <a:r>
+              <a:rPr lang="fr-FR" dirty="0" smtClean="0"/>
+              <a:t> </a:t>
+            </a:r>
+            <a:r>
+              <a:rPr lang="fr-FR" dirty="0" err="1" smtClean="0"/>
+              <a:t>paths</a:t>
+            </a:r>
+            <a:endParaRPr lang="fr-FR" dirty="0"/>
+          </a:p>
+          <a:p>
+            <a:pPr lvl="1"/>
+            <a:r>
+              <a:rPr lang="fr-FR" dirty="0" err="1" smtClean="0"/>
+              <a:t>Paper</a:t>
+            </a:r>
+            <a:r>
+              <a:rPr lang="fr-FR" dirty="0" smtClean="0"/>
+              <a:t> </a:t>
+            </a:r>
+            <a:r>
+              <a:rPr lang="fr-FR" dirty="0" err="1" smtClean="0"/>
+              <a:t>accepted</a:t>
+            </a:r>
+            <a:endParaRPr lang="fr-FR" dirty="0" smtClean="0"/>
+          </a:p>
+          <a:p>
+            <a:pPr lvl="1"/>
+            <a:r>
+              <a:rPr lang="fr-FR" dirty="0" err="1" smtClean="0"/>
+              <a:t>Paper</a:t>
+            </a:r>
+            <a:r>
+              <a:rPr lang="fr-FR" dirty="0" smtClean="0"/>
+              <a:t> </a:t>
+            </a:r>
+            <a:r>
+              <a:rPr lang="fr-FR" dirty="0" err="1" smtClean="0"/>
+              <a:t>rejected</a:t>
+            </a:r>
+            <a:r>
+              <a:rPr lang="fr-FR" dirty="0" smtClean="0"/>
+              <a:t> (SPAM, …)</a:t>
+            </a:r>
+          </a:p>
+          <a:p>
+            <a:r>
+              <a:rPr lang="fr-FR" dirty="0" smtClean="0"/>
+              <a:t>And </a:t>
+            </a:r>
+            <a:r>
+              <a:rPr lang="fr-FR" dirty="0" err="1" smtClean="0"/>
+              <a:t>notify</a:t>
+            </a:r>
+            <a:r>
+              <a:rPr lang="fr-FR" dirty="0" smtClean="0"/>
+              <a:t> the user as </a:t>
+            </a:r>
+            <a:r>
+              <a:rPr lang="fr-FR" dirty="0" err="1" smtClean="0"/>
+              <a:t>before</a:t>
+            </a:r>
+            <a:endParaRPr lang="fr-FR" dirty="0" smtClean="0"/>
+          </a:p>
+          <a:p>
+            <a:r>
+              <a:rPr lang="fr-FR" dirty="0" smtClean="0"/>
+              <a:t>Design web application</a:t>
+            </a:r>
+          </a:p>
+          <a:p>
+            <a:pPr lvl="1"/>
+            <a:r>
+              <a:rPr lang="fr-FR" dirty="0" err="1" smtClean="0"/>
+              <a:t>Retrive</a:t>
+            </a:r>
+            <a:r>
+              <a:rPr lang="fr-FR" dirty="0"/>
+              <a:t> </a:t>
+            </a:r>
+            <a:r>
+              <a:rPr lang="fr-FR" dirty="0" err="1" smtClean="0"/>
+              <a:t>paper</a:t>
+            </a:r>
+            <a:r>
+              <a:rPr lang="fr-FR" dirty="0" smtClean="0"/>
+              <a:t> information </a:t>
+            </a:r>
+            <a:r>
+              <a:rPr lang="fr-FR" dirty="0" err="1" smtClean="0"/>
+              <a:t>using</a:t>
+            </a:r>
+            <a:r>
+              <a:rPr lang="fr-FR" dirty="0" smtClean="0"/>
+              <a:t> </a:t>
+            </a:r>
+            <a:r>
+              <a:rPr lang="fr-FR" dirty="0" err="1" smtClean="0"/>
+              <a:t>remote</a:t>
+            </a:r>
+            <a:r>
+              <a:rPr lang="fr-FR" dirty="0" smtClean="0"/>
+              <a:t> API</a:t>
+            </a:r>
+            <a:endParaRPr lang="fr-FR" dirty="0"/>
+          </a:p>
+          <a:p>
+            <a:r>
+              <a:rPr lang="fr-FR" dirty="0" smtClean="0"/>
+              <a:t>Note</a:t>
+            </a:r>
+          </a:p>
+          <a:p>
+            <a:pPr lvl="1"/>
+            <a:r>
+              <a:rPr lang="fr-FR" dirty="0" err="1" smtClean="0"/>
+              <a:t>Two</a:t>
+            </a:r>
+            <a:r>
+              <a:rPr lang="fr-FR" dirty="0" smtClean="0"/>
+              <a:t> end </a:t>
+            </a:r>
+            <a:r>
+              <a:rPr lang="fr-FR" dirty="0" err="1" smtClean="0"/>
+              <a:t>event</a:t>
+            </a:r>
+            <a:r>
+              <a:rPr lang="fr-FR" dirty="0" smtClean="0"/>
+              <a:t> : one per business </a:t>
+            </a:r>
+            <a:r>
+              <a:rPr lang="fr-FR" dirty="0" err="1" smtClean="0"/>
+              <a:t>event</a:t>
+            </a:r>
+            <a:r>
+              <a:rPr lang="fr-FR" dirty="0" smtClean="0"/>
+              <a:t> !</a:t>
+            </a:r>
+          </a:p>
+        </p:txBody>
+      </p:sp>
+    </p:spTree>
+    <p:extLst>
+      <p:ext uri="{BB962C8B-B14F-4D97-AF65-F5344CB8AC3E}">
+        <p14:creationId xmlns:p14="http://schemas.microsoft.com/office/powerpoint/2010/main" val="789864255"/>
+      </p:ext>
+    </p:extLst>
+  </p:cSld>
+  <p:clrMapOvr>
+    <a:masterClrMapping/>
+  </p:clrMapOvr>
+  <p:timing>
+    <p:tnLst>
+      <p:par>
+        <p:cTn id="1" dur="indefinite" restart="never" nodeType="tmRoot"/>
+      </p:par>
+    </p:tnLst>
+  </p:timing>
+</p:sld>
+</file>
+
+<file path=ppt/slides/slide17.xml><?xml version="1.0" encoding="utf-8"?>
 <p:sld xmlns:a="http://schemas.openxmlformats.org/drawingml/2006/main" xmlns:r="http://schemas.openxmlformats.org/officeDocument/2006/relationships" xmlns:p="http://schemas.openxmlformats.org/presentationml/2006/main">
   <p:cSld>
     <p:spTree>
@@ -14670,7 +15283,313 @@
 </p:sld>
 </file>
 
-<file path=ppt/slides/slide16.xml><?xml version="1.0" encoding="utf-8"?>
+<file path=ppt/slides/slide18.xml><?xml version="1.0" encoding="utf-8"?>
+<p:sld xmlns:a="http://schemas.openxmlformats.org/drawingml/2006/main" xmlns:r="http://schemas.openxmlformats.org/officeDocument/2006/relationships" xmlns:p="http://schemas.openxmlformats.org/presentationml/2006/main">
+  <p:cSld>
+    <p:spTree>
+      <p:nvGrpSpPr>
+        <p:cNvPr id="1" name=""/>
+        <p:cNvGrpSpPr/>
+        <p:nvPr/>
+      </p:nvGrpSpPr>
+      <p:grpSpPr>
+        <a:xfrm>
+          <a:off x="0" y="0"/>
+          <a:ext cx="0" cy="0"/>
+          <a:chOff x="0" y="0"/>
+          <a:chExt cx="0" cy="0"/>
+        </a:xfrm>
+      </p:grpSpPr>
+      <p:sp>
+        <p:nvSpPr>
+          <p:cNvPr id="2" name="Titre 1"/>
+          <p:cNvSpPr>
+            <a:spLocks noGrp="1"/>
+          </p:cNvSpPr>
+          <p:nvPr>
+            <p:ph type="title"/>
+          </p:nvPr>
+        </p:nvSpPr>
+        <p:spPr/>
+        <p:txBody>
+          <a:bodyPr/>
+          <a:lstStyle/>
+          <a:p>
+            <a:r>
+              <a:rPr lang="fr-FR" dirty="0" err="1" smtClean="0"/>
+              <a:t>Feature</a:t>
+            </a:r>
+            <a:r>
+              <a:rPr lang="fr-FR" dirty="0" smtClean="0"/>
+              <a:t> </a:t>
+            </a:r>
+            <a:r>
+              <a:rPr lang="fr-FR" dirty="0" err="1" smtClean="0"/>
+              <a:t>request</a:t>
+            </a:r>
+            <a:r>
+              <a:rPr lang="fr-FR" dirty="0" smtClean="0"/>
+              <a:t> </a:t>
+            </a:r>
+            <a:r>
+              <a:rPr lang="fr-FR" dirty="0" smtClean="0"/>
+              <a:t>#3</a:t>
+            </a:r>
+            <a:br>
+              <a:rPr lang="fr-FR" dirty="0" smtClean="0"/>
+            </a:br>
+            <a:r>
+              <a:rPr lang="fr-FR" sz="2400" dirty="0" smtClean="0"/>
+              <a:t>Solution</a:t>
+            </a:r>
+            <a:endParaRPr lang="fr-FR" dirty="0"/>
+          </a:p>
+        </p:txBody>
+      </p:sp>
+      <p:sp>
+        <p:nvSpPr>
+          <p:cNvPr id="5" name="Espace réservé du contenu 2"/>
+          <p:cNvSpPr>
+            <a:spLocks noGrp="1"/>
+          </p:cNvSpPr>
+          <p:nvPr>
+            <p:ph idx="1"/>
+          </p:nvPr>
+        </p:nvSpPr>
+        <p:spPr>
+          <a:xfrm>
+            <a:off x="457200" y="1600200"/>
+            <a:ext cx="7620000" cy="4800600"/>
+          </a:xfrm>
+        </p:spPr>
+        <p:txBody>
+          <a:bodyPr/>
+          <a:lstStyle/>
+          <a:p>
+            <a:r>
+              <a:rPr lang="fr-FR" dirty="0" smtClean="0"/>
+              <a:t>Upgrade the </a:t>
+            </a:r>
+            <a:r>
+              <a:rPr lang="fr-FR" dirty="0" err="1" smtClean="0"/>
+              <a:t>process</a:t>
+            </a:r>
+            <a:r>
+              <a:rPr lang="fr-FR" dirty="0" smtClean="0"/>
+              <a:t> to </a:t>
+            </a:r>
+            <a:r>
+              <a:rPr lang="fr-FR" dirty="0" err="1" smtClean="0"/>
+              <a:t>ask</a:t>
+            </a:r>
+            <a:r>
+              <a:rPr lang="fr-FR" dirty="0" smtClean="0"/>
+              <a:t> for a vote</a:t>
+            </a:r>
+          </a:p>
+          <a:p>
+            <a:pPr lvl="1"/>
+            <a:r>
+              <a:rPr lang="fr-FR" dirty="0" smtClean="0"/>
+              <a:t>Design the </a:t>
+            </a:r>
+            <a:r>
+              <a:rPr lang="fr-FR" dirty="0" err="1" smtClean="0"/>
+              <a:t>webapp</a:t>
+            </a:r>
+            <a:endParaRPr lang="fr-FR" dirty="0" smtClean="0"/>
+          </a:p>
+          <a:p>
+            <a:pPr lvl="1"/>
+            <a:r>
+              <a:rPr lang="fr-FR" dirty="0" err="1" smtClean="0"/>
+              <a:t>Retrieve</a:t>
+            </a:r>
+            <a:r>
+              <a:rPr lang="fr-FR" dirty="0" smtClean="0"/>
+              <a:t> </a:t>
+            </a:r>
+            <a:r>
+              <a:rPr lang="fr-FR" dirty="0" err="1" smtClean="0"/>
+              <a:t>Paper</a:t>
+            </a:r>
+            <a:r>
+              <a:rPr lang="fr-FR" dirty="0" smtClean="0"/>
+              <a:t> information via REST API</a:t>
+            </a:r>
+          </a:p>
+          <a:p>
+            <a:r>
+              <a:rPr lang="fr-FR" dirty="0" smtClean="0"/>
+              <a:t>Multi </a:t>
+            </a:r>
+            <a:r>
+              <a:rPr lang="fr-FR" dirty="0" err="1" smtClean="0"/>
+              <a:t>instantiate</a:t>
+            </a:r>
+            <a:r>
+              <a:rPr lang="fr-FR" dirty="0" smtClean="0"/>
+              <a:t> the vote </a:t>
+            </a:r>
+            <a:r>
+              <a:rPr lang="fr-FR" dirty="0" err="1" smtClean="0"/>
+              <a:t>task</a:t>
+            </a:r>
+            <a:endParaRPr lang="fr-FR" dirty="0"/>
+          </a:p>
+          <a:p>
+            <a:pPr lvl="1"/>
+            <a:r>
+              <a:rPr lang="fr-FR" dirty="0" err="1" smtClean="0"/>
+              <a:t>Create</a:t>
+            </a:r>
+            <a:r>
+              <a:rPr lang="fr-FR" dirty="0" smtClean="0"/>
+              <a:t> an </a:t>
+            </a:r>
+            <a:r>
+              <a:rPr lang="fr-FR" dirty="0" err="1" smtClean="0"/>
+              <a:t>instantiator</a:t>
+            </a:r>
+            <a:r>
+              <a:rPr lang="fr-FR" dirty="0" smtClean="0"/>
+              <a:t> to </a:t>
+            </a:r>
+            <a:r>
+              <a:rPr lang="fr-FR" dirty="0" err="1" smtClean="0"/>
+              <a:t>retrieve</a:t>
+            </a:r>
+            <a:r>
+              <a:rPr lang="fr-FR" dirty="0" smtClean="0"/>
+              <a:t> the user of a group</a:t>
+            </a:r>
+          </a:p>
+          <a:p>
+            <a:pPr lvl="1"/>
+            <a:r>
+              <a:rPr lang="fr-FR" dirty="0" smtClean="0"/>
+              <a:t>Configure a </a:t>
+            </a:r>
+            <a:r>
+              <a:rPr lang="fr-FR" dirty="0" err="1" smtClean="0"/>
+              <a:t>join</a:t>
+            </a:r>
+            <a:r>
+              <a:rPr lang="fr-FR" dirty="0" smtClean="0"/>
+              <a:t> </a:t>
+            </a:r>
+            <a:r>
+              <a:rPr lang="fr-FR" dirty="0" err="1" smtClean="0"/>
+              <a:t>checker</a:t>
+            </a:r>
+            <a:r>
+              <a:rPr lang="fr-FR" dirty="0" smtClean="0"/>
+              <a:t> to </a:t>
+            </a:r>
+            <a:r>
+              <a:rPr lang="fr-FR" dirty="0" err="1" smtClean="0"/>
+              <a:t>wait</a:t>
+            </a:r>
+            <a:r>
+              <a:rPr lang="fr-FR" dirty="0" smtClean="0"/>
+              <a:t> for all votes</a:t>
+            </a:r>
+          </a:p>
+          <a:p>
+            <a:pPr lvl="1"/>
+            <a:r>
+              <a:rPr lang="fr-FR" dirty="0" smtClean="0"/>
+              <a:t>Store the data by </a:t>
+            </a:r>
+            <a:r>
+              <a:rPr lang="fr-FR" dirty="0" err="1" smtClean="0"/>
+              <a:t>sending</a:t>
+            </a:r>
+            <a:r>
+              <a:rPr lang="fr-FR" dirty="0" smtClean="0"/>
+              <a:t> the vote to the </a:t>
+            </a:r>
+            <a:r>
+              <a:rPr lang="fr-FR" dirty="0" err="1" smtClean="0"/>
+              <a:t>webapp</a:t>
+            </a:r>
+            <a:endParaRPr lang="fr-FR" dirty="0" smtClean="0"/>
+          </a:p>
+          <a:p>
+            <a:r>
+              <a:rPr lang="fr-FR" dirty="0" err="1" smtClean="0"/>
+              <a:t>Compute</a:t>
+            </a:r>
+            <a:r>
+              <a:rPr lang="fr-FR" dirty="0" smtClean="0"/>
+              <a:t> the </a:t>
+            </a:r>
+            <a:r>
+              <a:rPr lang="fr-FR" dirty="0" err="1" smtClean="0"/>
+              <a:t>results</a:t>
+            </a:r>
+            <a:endParaRPr lang="fr-FR" dirty="0"/>
+          </a:p>
+          <a:p>
+            <a:pPr lvl="1"/>
+            <a:r>
+              <a:rPr lang="fr-FR" dirty="0" smtClean="0"/>
+              <a:t>Just a simple </a:t>
+            </a:r>
+            <a:r>
+              <a:rPr lang="fr-FR" dirty="0" err="1" smtClean="0"/>
+              <a:t>groovy</a:t>
+            </a:r>
+            <a:r>
+              <a:rPr lang="fr-FR" dirty="0" smtClean="0"/>
+              <a:t> script</a:t>
+            </a:r>
+          </a:p>
+          <a:p>
+            <a:r>
+              <a:rPr lang="fr-FR" dirty="0" smtClean="0"/>
+              <a:t>And of course… </a:t>
+            </a:r>
+            <a:r>
+              <a:rPr lang="fr-FR" dirty="0" err="1" smtClean="0"/>
+              <a:t>notify</a:t>
+            </a:r>
+            <a:r>
+              <a:rPr lang="fr-FR" dirty="0" smtClean="0"/>
+              <a:t> the </a:t>
+            </a:r>
+            <a:r>
+              <a:rPr lang="fr-FR" dirty="0" err="1" smtClean="0"/>
+              <a:t>submitter</a:t>
+            </a:r>
+            <a:r>
+              <a:rPr lang="fr-FR" dirty="0" smtClean="0"/>
+              <a:t> !</a:t>
+            </a:r>
+          </a:p>
+        </p:txBody>
+      </p:sp>
+    </p:spTree>
+    <p:extLst>
+      <p:ext uri="{BB962C8B-B14F-4D97-AF65-F5344CB8AC3E}">
+        <p14:creationId xmlns:p14="http://schemas.microsoft.com/office/powerpoint/2010/main" val="35341199"/>
+      </p:ext>
+    </p:extLst>
+  </p:cSld>
+  <p:clrMapOvr>
+    <a:masterClrMapping/>
+  </p:clrMapOvr>
+  <p:timing>
+    <p:tnLst>
+      <p:par>
+        <p:cTn id="1" dur="indefinite" restart="never" nodeType="tmRoot"/>
+      </p:par>
+    </p:tnLst>
+  </p:timing>
+</p:sld>
+</file>
+
+<file path=ppt/slides/slide19.xml><?xml version="1.0" encoding="utf-8"?>
 <p:sld xmlns:a="http://schemas.openxmlformats.org/drawingml/2006/main" xmlns:r="http://schemas.openxmlformats.org/officeDocument/2006/relationships" xmlns:p="http://schemas.openxmlformats.org/presentationml/2006/main">
   <p:cSld>
     <p:spTree>
@@ -14831,93 +15750,6 @@
     <p:extLst>
       <p:ext uri="{BB962C8B-B14F-4D97-AF65-F5344CB8AC3E}">
         <p14:creationId xmlns:p14="http://schemas.microsoft.com/office/powerpoint/2010/main" val="3191654005"/>
-      </p:ext>
-    </p:extLst>
-  </p:cSld>
-  <p:clrMapOvr>
-    <a:masterClrMapping/>
-  </p:clrMapOvr>
-  <p:timing>
-    <p:tnLst>
-      <p:par>
-        <p:cTn id="1" dur="indefinite" restart="never" nodeType="tmRoot"/>
-      </p:par>
-    </p:tnLst>
-  </p:timing>
-</p:sld>
-</file>
-
-<file path=ppt/slides/slide17.xml><?xml version="1.0" encoding="utf-8"?>
-<p:sld xmlns:a="http://schemas.openxmlformats.org/drawingml/2006/main" xmlns:r="http://schemas.openxmlformats.org/officeDocument/2006/relationships" xmlns:p="http://schemas.openxmlformats.org/presentationml/2006/main">
-  <p:cSld>
-    <p:spTree>
-      <p:nvGrpSpPr>
-        <p:cNvPr id="1" name=""/>
-        <p:cNvGrpSpPr/>
-        <p:nvPr/>
-      </p:nvGrpSpPr>
-      <p:grpSpPr>
-        <a:xfrm>
-          <a:off x="0" y="0"/>
-          <a:ext cx="0" cy="0"/>
-          <a:chOff x="0" y="0"/>
-          <a:chExt cx="0" cy="0"/>
-        </a:xfrm>
-      </p:grpSpPr>
-      <p:sp>
-        <p:nvSpPr>
-          <p:cNvPr id="2" name="Titre 1"/>
-          <p:cNvSpPr>
-            <a:spLocks noGrp="1"/>
-          </p:cNvSpPr>
-          <p:nvPr>
-            <p:ph type="title"/>
-          </p:nvPr>
-        </p:nvSpPr>
-        <p:spPr/>
-        <p:txBody>
-          <a:bodyPr/>
-          <a:lstStyle/>
-          <a:p>
-            <a:r>
-              <a:rPr lang="fr-FR" dirty="0" smtClean="0"/>
-              <a:t>To go </a:t>
-            </a:r>
-            <a:r>
-              <a:rPr lang="fr-FR" dirty="0" err="1" smtClean="0"/>
-              <a:t>further</a:t>
-            </a:r>
-            <a:r>
-              <a:rPr lang="fr-FR" dirty="0" smtClean="0"/>
-              <a:t> …</a:t>
-            </a:r>
-            <a:endParaRPr lang="fr-FR" dirty="0"/>
-          </a:p>
-        </p:txBody>
-      </p:sp>
-      <p:sp>
-        <p:nvSpPr>
-          <p:cNvPr id="3" name="Espace réservé du contenu 2"/>
-          <p:cNvSpPr>
-            <a:spLocks noGrp="1"/>
-          </p:cNvSpPr>
-          <p:nvPr>
-            <p:ph idx="1"/>
-          </p:nvPr>
-        </p:nvSpPr>
-        <p:spPr/>
-        <p:txBody>
-          <a:bodyPr/>
-          <a:lstStyle/>
-          <a:p>
-            <a:endParaRPr lang="fr-FR"/>
-          </a:p>
-        </p:txBody>
-      </p:sp>
-    </p:spTree>
-    <p:extLst>
-      <p:ext uri="{BB962C8B-B14F-4D97-AF65-F5344CB8AC3E}">
-        <p14:creationId xmlns:p14="http://schemas.microsoft.com/office/powerpoint/2010/main" val="2310545530"/>
       </p:ext>
     </p:extLst>
   </p:cSld>
@@ -15349,6 +16181,705 @@
     <p:extLst>
       <p:ext uri="{BB962C8B-B14F-4D97-AF65-F5344CB8AC3E}">
         <p14:creationId xmlns:p14="http://schemas.microsoft.com/office/powerpoint/2010/main" val="1991788145"/>
+      </p:ext>
+    </p:extLst>
+  </p:cSld>
+  <p:clrMapOvr>
+    <a:masterClrMapping/>
+  </p:clrMapOvr>
+  <p:timing>
+    <p:tnLst>
+      <p:par>
+        <p:cTn id="1" dur="indefinite" restart="never" nodeType="tmRoot"/>
+      </p:par>
+    </p:tnLst>
+  </p:timing>
+</p:sld>
+</file>
+
+<file path=ppt/slides/slide20.xml><?xml version="1.0" encoding="utf-8"?>
+<p:sld xmlns:a="http://schemas.openxmlformats.org/drawingml/2006/main" xmlns:r="http://schemas.openxmlformats.org/officeDocument/2006/relationships" xmlns:p="http://schemas.openxmlformats.org/presentationml/2006/main">
+  <p:cSld>
+    <p:spTree>
+      <p:nvGrpSpPr>
+        <p:cNvPr id="1" name=""/>
+        <p:cNvGrpSpPr/>
+        <p:nvPr/>
+      </p:nvGrpSpPr>
+      <p:grpSpPr>
+        <a:xfrm>
+          <a:off x="0" y="0"/>
+          <a:ext cx="0" cy="0"/>
+          <a:chOff x="0" y="0"/>
+          <a:chExt cx="0" cy="0"/>
+        </a:xfrm>
+      </p:grpSpPr>
+      <p:sp>
+        <p:nvSpPr>
+          <p:cNvPr id="2" name="Titre 1"/>
+          <p:cNvSpPr>
+            <a:spLocks noGrp="1"/>
+          </p:cNvSpPr>
+          <p:nvPr>
+            <p:ph type="title"/>
+          </p:nvPr>
+        </p:nvSpPr>
+        <p:spPr/>
+        <p:txBody>
+          <a:bodyPr/>
+          <a:lstStyle/>
+          <a:p>
+            <a:r>
+              <a:rPr lang="fr-FR" dirty="0" err="1" smtClean="0"/>
+              <a:t>Feature</a:t>
+            </a:r>
+            <a:r>
+              <a:rPr lang="fr-FR" dirty="0" smtClean="0"/>
+              <a:t> </a:t>
+            </a:r>
+            <a:r>
+              <a:rPr lang="fr-FR" dirty="0" err="1" smtClean="0"/>
+              <a:t>request</a:t>
+            </a:r>
+            <a:r>
+              <a:rPr lang="fr-FR" dirty="0" smtClean="0"/>
+              <a:t> </a:t>
+            </a:r>
+            <a:r>
+              <a:rPr lang="fr-FR" dirty="0" smtClean="0"/>
+              <a:t>#4</a:t>
+            </a:r>
+            <a:br>
+              <a:rPr lang="fr-FR" dirty="0" smtClean="0"/>
+            </a:br>
+            <a:r>
+              <a:rPr lang="fr-FR" sz="2400" dirty="0" smtClean="0"/>
+              <a:t>Solution</a:t>
+            </a:r>
+            <a:endParaRPr lang="fr-FR" dirty="0"/>
+          </a:p>
+        </p:txBody>
+      </p:sp>
+      <p:sp>
+        <p:nvSpPr>
+          <p:cNvPr id="5" name="Espace réservé du contenu 2"/>
+          <p:cNvSpPr>
+            <a:spLocks noGrp="1"/>
+          </p:cNvSpPr>
+          <p:nvPr>
+            <p:ph idx="1"/>
+          </p:nvPr>
+        </p:nvSpPr>
+        <p:spPr>
+          <a:xfrm>
+            <a:off x="457200" y="1600200"/>
+            <a:ext cx="7620000" cy="4800600"/>
+          </a:xfrm>
+        </p:spPr>
+        <p:txBody>
+          <a:bodyPr/>
+          <a:lstStyle/>
+          <a:p>
+            <a:r>
+              <a:rPr lang="fr-FR" dirty="0" err="1" smtClean="0"/>
+              <a:t>Add</a:t>
+            </a:r>
+            <a:r>
+              <a:rPr lang="fr-FR" dirty="0" smtClean="0"/>
+              <a:t> a state for the </a:t>
+            </a:r>
+            <a:r>
+              <a:rPr lang="fr-FR" dirty="0" err="1" smtClean="0"/>
+              <a:t>paper</a:t>
+            </a:r>
+            <a:r>
+              <a:rPr lang="fr-FR" dirty="0" smtClean="0"/>
+              <a:t> business </a:t>
+            </a:r>
+            <a:r>
+              <a:rPr lang="fr-FR" dirty="0" err="1" smtClean="0"/>
+              <a:t>object</a:t>
+            </a:r>
+            <a:endParaRPr lang="fr-FR" dirty="0" smtClean="0"/>
+          </a:p>
+          <a:p>
+            <a:r>
+              <a:rPr lang="fr-FR" dirty="0" err="1" smtClean="0"/>
+              <a:t>Only</a:t>
+            </a:r>
+            <a:r>
+              <a:rPr lang="fr-FR" dirty="0" smtClean="0"/>
+              <a:t> show </a:t>
+            </a:r>
+            <a:r>
+              <a:rPr lang="fr-FR" dirty="0" err="1" smtClean="0"/>
+              <a:t>papers</a:t>
+            </a:r>
+            <a:r>
+              <a:rPr lang="fr-FR" dirty="0" smtClean="0"/>
+              <a:t> </a:t>
+            </a:r>
+            <a:r>
+              <a:rPr lang="fr-FR" dirty="0" err="1" smtClean="0"/>
+              <a:t>with</a:t>
+            </a:r>
+            <a:r>
+              <a:rPr lang="fr-FR" dirty="0" smtClean="0"/>
+              <a:t> ACCEPTED state</a:t>
+            </a:r>
+          </a:p>
+        </p:txBody>
+      </p:sp>
+    </p:spTree>
+    <p:extLst>
+      <p:ext uri="{BB962C8B-B14F-4D97-AF65-F5344CB8AC3E}">
+        <p14:creationId xmlns:p14="http://schemas.microsoft.com/office/powerpoint/2010/main" val="498069405"/>
+      </p:ext>
+    </p:extLst>
+  </p:cSld>
+  <p:clrMapOvr>
+    <a:masterClrMapping/>
+  </p:clrMapOvr>
+  <p:timing>
+    <p:tnLst>
+      <p:par>
+        <p:cTn id="1" dur="indefinite" restart="never" nodeType="tmRoot"/>
+      </p:par>
+    </p:tnLst>
+  </p:timing>
+</p:sld>
+</file>
+
+<file path=ppt/slides/slide21.xml><?xml version="1.0" encoding="utf-8"?>
+<p:sld xmlns:a="http://schemas.openxmlformats.org/drawingml/2006/main" xmlns:r="http://schemas.openxmlformats.org/officeDocument/2006/relationships" xmlns:p="http://schemas.openxmlformats.org/presentationml/2006/main">
+  <p:cSld>
+    <p:spTree>
+      <p:nvGrpSpPr>
+        <p:cNvPr id="1" name=""/>
+        <p:cNvGrpSpPr/>
+        <p:nvPr/>
+      </p:nvGrpSpPr>
+      <p:grpSpPr>
+        <a:xfrm>
+          <a:off x="0" y="0"/>
+          <a:ext cx="0" cy="0"/>
+          <a:chOff x="0" y="0"/>
+          <a:chExt cx="0" cy="0"/>
+        </a:xfrm>
+      </p:grpSpPr>
+      <p:sp>
+        <p:nvSpPr>
+          <p:cNvPr id="2" name="Titre 1"/>
+          <p:cNvSpPr>
+            <a:spLocks noGrp="1"/>
+          </p:cNvSpPr>
+          <p:nvPr>
+            <p:ph type="title"/>
+          </p:nvPr>
+        </p:nvSpPr>
+        <p:spPr/>
+        <p:txBody>
+          <a:bodyPr/>
+          <a:lstStyle/>
+          <a:p>
+            <a:r>
+              <a:rPr lang="fr-FR" dirty="0" err="1" smtClean="0"/>
+              <a:t>Feature</a:t>
+            </a:r>
+            <a:r>
+              <a:rPr lang="fr-FR" dirty="0" smtClean="0"/>
+              <a:t> </a:t>
+            </a:r>
+            <a:r>
+              <a:rPr lang="fr-FR" dirty="0" err="1" smtClean="0"/>
+              <a:t>request</a:t>
+            </a:r>
+            <a:r>
+              <a:rPr lang="fr-FR" dirty="0" smtClean="0"/>
+              <a:t> </a:t>
+            </a:r>
+            <a:r>
+              <a:rPr lang="fr-FR" dirty="0" smtClean="0"/>
+              <a:t>#5</a:t>
+            </a:r>
+            <a:endParaRPr lang="fr-FR" dirty="0"/>
+          </a:p>
+        </p:txBody>
+      </p:sp>
+      <p:sp>
+        <p:nvSpPr>
+          <p:cNvPr id="7" name="ZoneTexte 6"/>
+          <p:cNvSpPr txBox="1"/>
+          <p:nvPr/>
+        </p:nvSpPr>
+        <p:spPr>
+          <a:xfrm>
+            <a:off x="1691680" y="2420888"/>
+            <a:ext cx="4896544" cy="2573691"/>
+          </a:xfrm>
+          <a:prstGeom prst="rect">
+            <a:avLst/>
+          </a:prstGeom>
+          <a:solidFill>
+            <a:schemeClr val="bg1"/>
+          </a:solidFill>
+          <a:ln>
+            <a:solidFill>
+              <a:schemeClr val="accent1">
+                <a:shade val="95000"/>
+                <a:satMod val="105000"/>
+              </a:schemeClr>
+            </a:solidFill>
+          </a:ln>
+          <a:effectLst>
+            <a:outerShdw blurRad="50800" dist="38100" dir="2700000" algn="tl" rotWithShape="0">
+              <a:prstClr val="black">
+                <a:alpha val="40000"/>
+              </a:prstClr>
+            </a:outerShdw>
+          </a:effectLst>
+        </p:spPr>
+        <p:txBody>
+          <a:bodyPr wrap="square" lIns="360000" tIns="360000" rIns="360000" bIns="360000" rtlCol="0">
+            <a:spAutoFit/>
+          </a:bodyPr>
+          <a:lstStyle/>
+          <a:p>
+            <a:pPr algn="r"/>
+            <a:r>
+              <a:rPr lang="fr-FR" sz="4000" dirty="0" smtClean="0"/>
+              <a:t>And how to </a:t>
+            </a:r>
+            <a:r>
+              <a:rPr lang="fr-FR" sz="4000" dirty="0" err="1" smtClean="0"/>
+              <a:t>map</a:t>
+            </a:r>
+            <a:r>
+              <a:rPr lang="fr-FR" sz="4000" dirty="0" smtClean="0"/>
+              <a:t> the </a:t>
+            </a:r>
+            <a:r>
+              <a:rPr lang="fr-FR" sz="4000" dirty="0" err="1" smtClean="0"/>
+              <a:t>webapp</a:t>
+            </a:r>
+            <a:r>
+              <a:rPr lang="fr-FR" sz="4000" dirty="0" smtClean="0"/>
+              <a:t> </a:t>
+            </a:r>
+            <a:r>
+              <a:rPr lang="fr-FR" sz="4000" dirty="0" err="1" smtClean="0"/>
+              <a:t>with</a:t>
+            </a:r>
+            <a:r>
+              <a:rPr lang="fr-FR" sz="4000" dirty="0" smtClean="0"/>
+              <a:t> the </a:t>
+            </a:r>
+            <a:r>
+              <a:rPr lang="fr-FR" sz="4000" dirty="0" err="1" smtClean="0"/>
+              <a:t>process</a:t>
+            </a:r>
+            <a:r>
+              <a:rPr lang="fr-FR" sz="4000" dirty="0" smtClean="0"/>
+              <a:t> ?</a:t>
+            </a:r>
+            <a:endParaRPr lang="fr-FR" sz="4000" dirty="0"/>
+          </a:p>
+        </p:txBody>
+      </p:sp>
+      <p:pic>
+        <p:nvPicPr>
+          <p:cNvPr id="8" name="Picture 4" descr="http://upload.wikimedia.org/wikipedia/commons/b/b5/Crystal_Clear_app_ksirtet.png"/>
+          <p:cNvPicPr>
+            <a:picLocks noChangeAspect="1" noChangeArrowheads="1"/>
+          </p:cNvPicPr>
+          <p:nvPr/>
+        </p:nvPicPr>
+        <p:blipFill>
+          <a:blip r:embed="rId2">
+            <a:extLst>
+              <a:ext uri="{28A0092B-C50C-407E-A947-70E740481C1C}">
+                <a14:useLocalDpi xmlns:a14="http://schemas.microsoft.com/office/drawing/2010/main" val="0"/>
+              </a:ext>
+            </a:extLst>
+          </a:blip>
+          <a:srcRect/>
+          <a:stretch>
+            <a:fillRect/>
+          </a:stretch>
+        </p:blipFill>
+        <p:spPr bwMode="auto">
+          <a:xfrm>
+            <a:off x="1835696" y="2564904"/>
+            <a:ext cx="864096" cy="864097"/>
+          </a:xfrm>
+          <a:prstGeom prst="rect">
+            <a:avLst/>
+          </a:prstGeom>
+          <a:noFill/>
+          <a:extLst>
+            <a:ext uri="{909E8E84-426E-40DD-AFC4-6F175D3DCCD1}">
+              <a14:hiddenFill xmlns:a14="http://schemas.microsoft.com/office/drawing/2010/main">
+                <a:solidFill>
+                  <a:srgbClr val="FFFFFF"/>
+                </a:solidFill>
+              </a14:hiddenFill>
+            </a:ext>
+          </a:extLst>
+        </p:spPr>
+      </p:pic>
+    </p:spTree>
+    <p:extLst>
+      <p:ext uri="{BB962C8B-B14F-4D97-AF65-F5344CB8AC3E}">
+        <p14:creationId xmlns:p14="http://schemas.microsoft.com/office/powerpoint/2010/main" val="1297829102"/>
+      </p:ext>
+    </p:extLst>
+  </p:cSld>
+  <p:clrMapOvr>
+    <a:masterClrMapping/>
+  </p:clrMapOvr>
+  <p:timing>
+    <p:tnLst>
+      <p:par>
+        <p:cTn id="1" dur="indefinite" restart="never" nodeType="tmRoot"/>
+      </p:par>
+    </p:tnLst>
+  </p:timing>
+</p:sld>
+</file>
+
+<file path=ppt/slides/slide22.xml><?xml version="1.0" encoding="utf-8"?>
+<p:sld xmlns:a="http://schemas.openxmlformats.org/drawingml/2006/main" xmlns:r="http://schemas.openxmlformats.org/officeDocument/2006/relationships" xmlns:p="http://schemas.openxmlformats.org/presentationml/2006/main">
+  <p:cSld>
+    <p:spTree>
+      <p:nvGrpSpPr>
+        <p:cNvPr id="1" name=""/>
+        <p:cNvGrpSpPr/>
+        <p:nvPr/>
+      </p:nvGrpSpPr>
+      <p:grpSpPr>
+        <a:xfrm>
+          <a:off x="0" y="0"/>
+          <a:ext cx="0" cy="0"/>
+          <a:chOff x="0" y="0"/>
+          <a:chExt cx="0" cy="0"/>
+        </a:xfrm>
+      </p:grpSpPr>
+      <p:sp>
+        <p:nvSpPr>
+          <p:cNvPr id="2" name="Titre 1"/>
+          <p:cNvSpPr>
+            <a:spLocks noGrp="1"/>
+          </p:cNvSpPr>
+          <p:nvPr>
+            <p:ph type="title"/>
+          </p:nvPr>
+        </p:nvSpPr>
+        <p:spPr/>
+        <p:txBody>
+          <a:bodyPr/>
+          <a:lstStyle/>
+          <a:p>
+            <a:r>
+              <a:rPr lang="fr-FR" dirty="0" err="1" smtClean="0"/>
+              <a:t>Feature</a:t>
+            </a:r>
+            <a:r>
+              <a:rPr lang="fr-FR" dirty="0" smtClean="0"/>
+              <a:t> </a:t>
+            </a:r>
+            <a:r>
+              <a:rPr lang="fr-FR" dirty="0" err="1" smtClean="0"/>
+              <a:t>request</a:t>
+            </a:r>
+            <a:r>
+              <a:rPr lang="fr-FR" dirty="0" smtClean="0"/>
+              <a:t> </a:t>
+            </a:r>
+            <a:r>
+              <a:rPr lang="fr-FR" dirty="0" smtClean="0"/>
+              <a:t>#5</a:t>
+            </a:r>
+            <a:br>
+              <a:rPr lang="fr-FR" dirty="0" smtClean="0"/>
+            </a:br>
+            <a:r>
+              <a:rPr lang="fr-FR" sz="2400" dirty="0" smtClean="0"/>
+              <a:t>Solution</a:t>
+            </a:r>
+            <a:endParaRPr lang="fr-FR" dirty="0"/>
+          </a:p>
+        </p:txBody>
+      </p:sp>
+      <p:sp>
+        <p:nvSpPr>
+          <p:cNvPr id="5" name="Espace réservé du contenu 2"/>
+          <p:cNvSpPr>
+            <a:spLocks noGrp="1"/>
+          </p:cNvSpPr>
+          <p:nvPr>
+            <p:ph idx="1"/>
+          </p:nvPr>
+        </p:nvSpPr>
+        <p:spPr>
+          <a:xfrm>
+            <a:off x="457200" y="1600200"/>
+            <a:ext cx="7620000" cy="4800600"/>
+          </a:xfrm>
+        </p:spPr>
+        <p:txBody>
+          <a:bodyPr/>
+          <a:lstStyle/>
+          <a:p>
+            <a:r>
+              <a:rPr lang="fr-FR" dirty="0" smtClean="0"/>
+              <a:t>Use BEE REST API</a:t>
+            </a:r>
+          </a:p>
+          <a:p>
+            <a:r>
+              <a:rPr lang="fr-FR" dirty="0" err="1" smtClean="0"/>
+              <a:t>Instantiate</a:t>
+            </a:r>
+            <a:r>
+              <a:rPr lang="fr-FR" dirty="0" smtClean="0"/>
+              <a:t> </a:t>
+            </a:r>
+            <a:r>
+              <a:rPr lang="fr-FR" dirty="0" err="1" smtClean="0"/>
+              <a:t>Process</a:t>
+            </a:r>
+            <a:r>
+              <a:rPr lang="fr-FR" dirty="0" smtClean="0"/>
+              <a:t> </a:t>
+            </a:r>
+            <a:r>
+              <a:rPr lang="fr-FR" dirty="0" err="1" smtClean="0"/>
+              <a:t>With</a:t>
+            </a:r>
+            <a:r>
+              <a:rPr lang="fr-FR" dirty="0" smtClean="0"/>
+              <a:t> Variables</a:t>
+            </a:r>
+          </a:p>
+        </p:txBody>
+      </p:sp>
+    </p:spTree>
+    <p:extLst>
+      <p:ext uri="{BB962C8B-B14F-4D97-AF65-F5344CB8AC3E}">
+        <p14:creationId xmlns:p14="http://schemas.microsoft.com/office/powerpoint/2010/main" val="1604580895"/>
+      </p:ext>
+    </p:extLst>
+  </p:cSld>
+  <p:clrMapOvr>
+    <a:masterClrMapping/>
+  </p:clrMapOvr>
+  <p:timing>
+    <p:tnLst>
+      <p:par>
+        <p:cTn id="1" dur="indefinite" restart="never" nodeType="tmRoot"/>
+      </p:par>
+    </p:tnLst>
+  </p:timing>
+</p:sld>
+</file>
+
+<file path=ppt/slides/slide23.xml><?xml version="1.0" encoding="utf-8"?>
+<p:sld xmlns:a="http://schemas.openxmlformats.org/drawingml/2006/main" xmlns:r="http://schemas.openxmlformats.org/officeDocument/2006/relationships" xmlns:p="http://schemas.openxmlformats.org/presentationml/2006/main">
+  <p:cSld>
+    <p:spTree>
+      <p:nvGrpSpPr>
+        <p:cNvPr id="1" name=""/>
+        <p:cNvGrpSpPr/>
+        <p:nvPr/>
+      </p:nvGrpSpPr>
+      <p:grpSpPr>
+        <a:xfrm>
+          <a:off x="0" y="0"/>
+          <a:ext cx="0" cy="0"/>
+          <a:chOff x="0" y="0"/>
+          <a:chExt cx="0" cy="0"/>
+        </a:xfrm>
+      </p:grpSpPr>
+      <p:sp>
+        <p:nvSpPr>
+          <p:cNvPr id="2" name="Titre 1"/>
+          <p:cNvSpPr>
+            <a:spLocks noGrp="1"/>
+          </p:cNvSpPr>
+          <p:nvPr>
+            <p:ph type="title"/>
+          </p:nvPr>
+        </p:nvSpPr>
+        <p:spPr/>
+        <p:txBody>
+          <a:bodyPr/>
+          <a:lstStyle/>
+          <a:p>
+            <a:r>
+              <a:rPr lang="fr-FR" dirty="0" err="1" smtClean="0"/>
+              <a:t>What’s</a:t>
+            </a:r>
+            <a:r>
+              <a:rPr lang="fr-FR" dirty="0" smtClean="0"/>
+              <a:t> </a:t>
+            </a:r>
+            <a:r>
+              <a:rPr lang="fr-FR" dirty="0" err="1" smtClean="0"/>
+              <a:t>next</a:t>
+            </a:r>
+            <a:r>
+              <a:rPr lang="fr-FR" dirty="0" smtClean="0"/>
+              <a:t> ?</a:t>
+            </a:r>
+            <a:endParaRPr lang="fr-FR" dirty="0"/>
+          </a:p>
+        </p:txBody>
+      </p:sp>
+      <p:sp>
+        <p:nvSpPr>
+          <p:cNvPr id="3" name="Espace réservé du contenu 2"/>
+          <p:cNvSpPr>
+            <a:spLocks noGrp="1"/>
+          </p:cNvSpPr>
+          <p:nvPr>
+            <p:ph idx="1"/>
+          </p:nvPr>
+        </p:nvSpPr>
+        <p:spPr/>
+        <p:txBody>
+          <a:bodyPr/>
+          <a:lstStyle/>
+          <a:p>
+            <a:r>
+              <a:rPr lang="fr-FR" dirty="0" err="1" smtClean="0"/>
+              <a:t>Handle</a:t>
+            </a:r>
+            <a:r>
+              <a:rPr lang="fr-FR" dirty="0" smtClean="0"/>
+              <a:t> </a:t>
+            </a:r>
+            <a:r>
+              <a:rPr lang="fr-FR" dirty="0" err="1" smtClean="0"/>
+              <a:t>errors</a:t>
+            </a:r>
+            <a:endParaRPr lang="fr-FR" dirty="0" smtClean="0"/>
+          </a:p>
+          <a:p>
+            <a:r>
+              <a:rPr lang="fr-FR" dirty="0" err="1" smtClean="0"/>
+              <a:t>Embed</a:t>
+            </a:r>
+            <a:r>
+              <a:rPr lang="fr-FR" dirty="0" smtClean="0"/>
+              <a:t> the </a:t>
+            </a:r>
+            <a:r>
+              <a:rPr lang="fr-FR" dirty="0" err="1" smtClean="0"/>
+              <a:t>engine</a:t>
+            </a:r>
+            <a:r>
+              <a:rPr lang="fr-FR" dirty="0" smtClean="0"/>
+              <a:t> in the web application</a:t>
+            </a:r>
+          </a:p>
+          <a:p>
+            <a:r>
+              <a:rPr lang="fr-FR" dirty="0" smtClean="0"/>
+              <a:t>Manage </a:t>
+            </a:r>
+            <a:r>
+              <a:rPr lang="fr-FR" dirty="0" err="1" smtClean="0"/>
+              <a:t>users</a:t>
+            </a:r>
+            <a:endParaRPr lang="fr-FR" dirty="0" smtClean="0"/>
+          </a:p>
+          <a:p>
+            <a:r>
+              <a:rPr lang="fr-FR" dirty="0" err="1" smtClean="0"/>
+              <a:t>Authenticate</a:t>
+            </a:r>
+            <a:r>
+              <a:rPr lang="fr-FR" dirty="0" smtClean="0"/>
+              <a:t> </a:t>
+            </a:r>
+            <a:r>
+              <a:rPr lang="fr-FR" dirty="0" err="1" smtClean="0"/>
+              <a:t>users</a:t>
+            </a:r>
+            <a:endParaRPr lang="fr-FR" dirty="0" smtClean="0"/>
+          </a:p>
+          <a:p>
+            <a:r>
+              <a:rPr lang="fr-FR" dirty="0" err="1" smtClean="0"/>
+              <a:t>Human</a:t>
+            </a:r>
+            <a:r>
+              <a:rPr lang="fr-FR" dirty="0" smtClean="0"/>
+              <a:t> </a:t>
+            </a:r>
+            <a:r>
+              <a:rPr lang="fr-FR" dirty="0" err="1" smtClean="0"/>
+              <a:t>tasks</a:t>
+            </a:r>
+            <a:r>
+              <a:rPr lang="fr-FR" dirty="0" smtClean="0"/>
+              <a:t> </a:t>
+            </a:r>
+            <a:r>
+              <a:rPr lang="fr-FR" dirty="0" err="1" smtClean="0"/>
+              <a:t>managed</a:t>
+            </a:r>
+            <a:r>
+              <a:rPr lang="fr-FR" dirty="0" smtClean="0"/>
+              <a:t> by business application</a:t>
+            </a:r>
+          </a:p>
+          <a:p>
+            <a:r>
+              <a:rPr lang="fr-FR" dirty="0" err="1" smtClean="0"/>
+              <a:t>Rights</a:t>
+            </a:r>
+            <a:r>
+              <a:rPr lang="fr-FR" dirty="0" smtClean="0"/>
+              <a:t> management</a:t>
+            </a:r>
+          </a:p>
+          <a:p>
+            <a:r>
+              <a:rPr lang="fr-FR" dirty="0" err="1" smtClean="0"/>
+              <a:t>Handle</a:t>
+            </a:r>
+            <a:r>
+              <a:rPr lang="fr-FR" dirty="0" smtClean="0"/>
+              <a:t> </a:t>
+            </a:r>
+            <a:r>
+              <a:rPr lang="fr-FR" dirty="0" err="1" smtClean="0"/>
+              <a:t>unauthenticated</a:t>
+            </a:r>
+            <a:r>
+              <a:rPr lang="fr-FR" dirty="0" smtClean="0"/>
+              <a:t> </a:t>
+            </a:r>
+            <a:r>
+              <a:rPr lang="fr-FR" dirty="0" err="1" smtClean="0"/>
+              <a:t>users</a:t>
+            </a:r>
+            <a:endParaRPr lang="fr-FR" dirty="0" smtClean="0"/>
+          </a:p>
+          <a:p>
+            <a:r>
+              <a:rPr lang="fr-FR" dirty="0" smtClean="0"/>
+              <a:t>…</a:t>
+            </a:r>
+            <a:endParaRPr lang="fr-FR" dirty="0"/>
+          </a:p>
+        </p:txBody>
+      </p:sp>
+    </p:spTree>
+    <p:extLst>
+      <p:ext uri="{BB962C8B-B14F-4D97-AF65-F5344CB8AC3E}">
+        <p14:creationId xmlns:p14="http://schemas.microsoft.com/office/powerpoint/2010/main" val="2310545530"/>
       </p:ext>
     </p:extLst>
   </p:cSld>
@@ -15937,7 +17468,7 @@
         <p:spPr>
           <a:xfrm>
             <a:off x="251520" y="1825873"/>
-            <a:ext cx="2820003" cy="523220"/>
+            <a:ext cx="2619628" cy="523220"/>
           </a:xfrm>
           <a:prstGeom prst="rect">
             <a:avLst/>
@@ -15959,13 +17490,13 @@
               <a:t>Call For </a:t>
             </a:r>
             <a:r>
-              <a:rPr lang="fr-FR" sz="2800" b="1" dirty="0" err="1">
+              <a:rPr lang="fr-FR" sz="2800" b="1" dirty="0" err="1" smtClean="0">
                 <a:solidFill>
                   <a:srgbClr val="317EAC"/>
                 </a:solidFill>
                 <a:latin typeface="Telex"/>
               </a:rPr>
-              <a:t>Papers</a:t>
+              <a:t>Paper</a:t>
             </a:r>
             <a:endParaRPr lang="fr-FR" sz="2800" b="1" i="0" dirty="0">
               <a:solidFill>
@@ -16094,11 +17625,7 @@
           <a:p>
             <a:r>
               <a:rPr lang="fr-FR" sz="2800" dirty="0" smtClean="0"/>
-              <a:t>No </a:t>
-            </a:r>
-            <a:r>
-              <a:rPr lang="fr-FR" sz="2800" dirty="0" smtClean="0"/>
-              <a:t>back-office (</a:t>
+              <a:t>No back-office (</a:t>
             </a:r>
             <a:r>
               <a:rPr lang="fr-FR" sz="2800" dirty="0" err="1" smtClean="0"/>
@@ -16116,7 +17643,6 @@
               <a:rPr lang="fr-FR" sz="2800" dirty="0" smtClean="0"/>
               <a:t>)</a:t>
             </a:r>
-            <a:endParaRPr lang="fr-FR" sz="2800" dirty="0" smtClean="0"/>
           </a:p>
           <a:p>
             <a:r>
@@ -16137,11 +17663,7 @@
             </a:r>
             <a:r>
               <a:rPr lang="fr-FR" sz="2800" dirty="0" smtClean="0"/>
-              <a:t> </a:t>
-            </a:r>
-            <a:r>
-              <a:rPr lang="fr-FR" sz="2800" dirty="0" smtClean="0"/>
-              <a:t>spam</a:t>
+              <a:t> spam</a:t>
             </a:r>
           </a:p>
           <a:p>
@@ -16149,7 +17671,6 @@
               <a:rPr lang="fr-FR" sz="2800" dirty="0" smtClean="0"/>
               <a:t>…</a:t>
             </a:r>
-            <a:endParaRPr lang="fr-FR" sz="2800" dirty="0" smtClean="0"/>
           </a:p>
           <a:p>
             <a:endParaRPr lang="fr-FR" sz="2800" dirty="0"/>

--- a/slides/slides.pptx
+++ b/slides/slides.pptx
@@ -1013,18 +1013,18 @@
         <a:lstStyle/>
         <a:p>
           <a:r>
-            <a:rPr lang="fr-FR" dirty="0" err="1" smtClean="0"/>
+            <a:rPr lang="fr-FR" b="1" dirty="0" err="1" smtClean="0"/>
             <a:t>Notify</a:t>
           </a:r>
           <a:r>
-            <a:rPr lang="fr-FR" dirty="0" smtClean="0"/>
+            <a:rPr lang="fr-FR" b="1" dirty="0" smtClean="0"/>
             <a:t> </a:t>
           </a:r>
           <a:r>
-            <a:rPr lang="fr-FR" dirty="0" err="1" smtClean="0"/>
+            <a:rPr lang="fr-FR" b="1" dirty="0" err="1" smtClean="0"/>
             <a:t>submitter</a:t>
           </a:r>
-          <a:endParaRPr lang="fr-FR" dirty="0"/>
+          <a:endParaRPr lang="fr-FR" b="1" dirty="0"/>
         </a:p>
       </dgm:t>
     </dgm:pt>
@@ -1920,18 +1920,18 @@
             </a:spcAft>
           </a:pPr>
           <a:r>
-            <a:rPr lang="fr-FR" sz="1300" kern="1200" dirty="0" err="1" smtClean="0"/>
+            <a:rPr lang="fr-FR" sz="1300" b="1" kern="1200" dirty="0" err="1" smtClean="0"/>
             <a:t>Notify</a:t>
           </a:r>
           <a:r>
-            <a:rPr lang="fr-FR" sz="1300" kern="1200" dirty="0" smtClean="0"/>
+            <a:rPr lang="fr-FR" sz="1300" b="1" kern="1200" dirty="0" smtClean="0"/>
             <a:t> </a:t>
           </a:r>
           <a:r>
-            <a:rPr lang="fr-FR" sz="1300" kern="1200" dirty="0" err="1" smtClean="0"/>
+            <a:rPr lang="fr-FR" sz="1300" b="1" kern="1200" dirty="0" err="1" smtClean="0"/>
             <a:t>submitter</a:t>
           </a:r>
-          <a:endParaRPr lang="fr-FR" sz="1300" kern="1200" dirty="0"/>
+          <a:endParaRPr lang="fr-FR" sz="1300" b="1" kern="1200" dirty="0"/>
         </a:p>
       </dsp:txBody>
       <dsp:txXfrm>
@@ -13519,6 +13519,25 @@
             <a:endParaRPr lang="fr-FR" sz="2800" dirty="0" smtClean="0"/>
           </a:p>
           <a:p>
+            <a:r>
+              <a:rPr lang="fr-FR" sz="2800" dirty="0" smtClean="0"/>
+              <a:t>Talk about </a:t>
+            </a:r>
+            <a:r>
+              <a:rPr lang="fr-FR" sz="2800" dirty="0" err="1" smtClean="0"/>
+              <a:t>advanced</a:t>
+            </a:r>
+            <a:r>
+              <a:rPr lang="fr-FR" sz="2800" dirty="0" smtClean="0"/>
+              <a:t> </a:t>
+            </a:r>
+            <a:r>
+              <a:rPr lang="fr-FR" sz="2800" dirty="0" err="1" smtClean="0"/>
+              <a:t>features</a:t>
+            </a:r>
+            <a:endParaRPr lang="fr-FR" sz="2800" dirty="0" smtClean="0"/>
+          </a:p>
+          <a:p>
             <a:endParaRPr lang="fr-FR" sz="2800" dirty="0"/>
           </a:p>
         </p:txBody>
@@ -14152,7 +14171,7 @@
           <p:nvPr>
             <p:extLst>
               <p:ext uri="{D42A27DB-BD31-4B8C-83A1-F6EECF244321}">
-                <p14:modId xmlns:p14="http://schemas.microsoft.com/office/powerpoint/2010/main" val="1009654652"/>
+                <p14:modId xmlns:p14="http://schemas.microsoft.com/office/powerpoint/2010/main" val="2885835979"/>
               </p:ext>
             </p:extLst>
           </p:nvPr>
@@ -14280,26 +14299,62 @@
           <a:p>
             <a:pPr algn="r"/>
             <a:r>
-              <a:rPr lang="fr-FR" sz="4000" dirty="0" err="1" smtClean="0"/>
+              <a:rPr lang="fr-FR" sz="4000" dirty="0" err="1" smtClean="0">
+                <a:solidFill>
+                  <a:schemeClr val="accent1">
+                    <a:lumMod val="75000"/>
+                  </a:schemeClr>
+                </a:solidFill>
+              </a:rPr>
               <a:t>Send</a:t>
             </a:r>
             <a:r>
-              <a:rPr lang="fr-FR" sz="4000" dirty="0" smtClean="0"/>
+              <a:rPr lang="fr-FR" sz="4000" dirty="0" smtClean="0">
+                <a:solidFill>
+                  <a:schemeClr val="accent1">
+                    <a:lumMod val="75000"/>
+                  </a:schemeClr>
+                </a:solidFill>
+              </a:rPr>
               <a:t> an </a:t>
             </a:r>
             <a:r>
-              <a:rPr lang="fr-FR" sz="4000" dirty="0" err="1" smtClean="0"/>
+              <a:rPr lang="fr-FR" sz="4000" dirty="0" err="1" smtClean="0">
+                <a:solidFill>
+                  <a:schemeClr val="accent1">
+                    <a:lumMod val="75000"/>
+                  </a:schemeClr>
+                </a:solidFill>
+              </a:rPr>
               <a:t>acknowledgment</a:t>
             </a:r>
             <a:r>
-              <a:rPr lang="fr-FR" sz="4000" dirty="0" smtClean="0"/>
+              <a:rPr lang="fr-FR" sz="4000" dirty="0" smtClean="0">
+                <a:solidFill>
+                  <a:schemeClr val="accent1">
+                    <a:lumMod val="75000"/>
+                  </a:schemeClr>
+                </a:solidFill>
+              </a:rPr>
               <a:t> to the </a:t>
             </a:r>
             <a:r>
-              <a:rPr lang="fr-FR" sz="4000" dirty="0" err="1" smtClean="0"/>
+              <a:rPr lang="fr-FR" sz="4000" dirty="0" err="1" smtClean="0">
+                <a:solidFill>
+                  <a:schemeClr val="accent1">
+                    <a:lumMod val="75000"/>
+                  </a:schemeClr>
+                </a:solidFill>
+              </a:rPr>
               <a:t>submitter</a:t>
             </a:r>
-            <a:endParaRPr lang="fr-FR" sz="4000" dirty="0"/>
+            <a:endParaRPr lang="fr-FR" sz="4000" dirty="0">
+              <a:solidFill>
+                <a:schemeClr val="accent1">
+                  <a:lumMod val="75000"/>
+                </a:schemeClr>
+              </a:solidFill>
+            </a:endParaRPr>
           </a:p>
         </p:txBody>
       </p:sp>
@@ -14410,11 +14465,7 @@
             </a:r>
             <a:r>
               <a:rPr lang="fr-FR" dirty="0" smtClean="0"/>
-              <a:t> #</a:t>
-            </a:r>
-            <a:r>
-              <a:rPr lang="fr-FR" dirty="0" smtClean="0"/>
-              <a:t>1</a:t>
+              <a:t> #1</a:t>
             </a:r>
             <a:br>
               <a:rPr lang="fr-FR" dirty="0" smtClean="0"/>
@@ -14527,35 +14578,48 @@
           <a:p>
             <a:pPr lvl="1"/>
             <a:r>
+              <a:rPr lang="fr-FR" dirty="0" smtClean="0"/>
+              <a:t>For the moment : </a:t>
+            </a:r>
+            <a:r>
               <a:rPr lang="fr-FR" dirty="0" err="1" smtClean="0"/>
               <a:t>Let’s</a:t>
             </a:r>
             <a:r>
               <a:rPr lang="fr-FR" dirty="0" smtClean="0"/>
-              <a:t> ignore </a:t>
+              <a:t> </a:t>
+            </a:r>
+            <a:r>
+              <a:rPr lang="fr-FR" dirty="0" smtClean="0"/>
+              <a:t>ignore </a:t>
             </a:r>
             <a:r>
               <a:rPr lang="fr-FR" dirty="0" err="1" smtClean="0"/>
               <a:t>it</a:t>
             </a:r>
+            <a:r>
+              <a:rPr lang="fr-FR" dirty="0" smtClean="0"/>
+              <a:t> !</a:t>
+            </a:r>
             <a:endParaRPr lang="fr-FR" dirty="0" smtClean="0"/>
           </a:p>
           <a:p>
             <a:pPr lvl="1"/>
-            <a:endParaRPr lang="fr-FR" dirty="0"/>
-          </a:p>
-          <a:p>
             <a:r>
               <a:rPr lang="fr-FR" dirty="0" err="1" smtClean="0"/>
               <a:t>Other</a:t>
             </a:r>
             <a:r>
               <a:rPr lang="fr-FR" dirty="0" smtClean="0"/>
-              <a:t> solutions :</a:t>
-            </a:r>
-          </a:p>
-          <a:p>
-            <a:pPr marL="708660" lvl="2">
+              <a:t> </a:t>
+            </a:r>
+            <a:r>
+              <a:rPr lang="fr-FR" dirty="0" smtClean="0"/>
+              <a:t>solutions :</a:t>
+            </a:r>
+          </a:p>
+          <a:p>
+            <a:pPr marL="982980" lvl="3">
               <a:buClr>
                 <a:schemeClr val="accent1"/>
               </a:buClr>
@@ -14606,7 +14670,7 @@
             </a:r>
           </a:p>
           <a:p>
-            <a:pPr marL="708660" lvl="2">
+            <a:pPr marL="982980" lvl="3">
               <a:buClr>
                 <a:schemeClr val="accent1"/>
               </a:buClr>
@@ -14736,42 +14800,95 @@
           <a:p>
             <a:pPr algn="r"/>
             <a:r>
-              <a:rPr lang="fr-FR" sz="4000" dirty="0" smtClean="0"/>
+              <a:rPr lang="fr-FR" sz="4000" dirty="0" smtClean="0">
+                <a:solidFill>
+                  <a:schemeClr val="accent1">
+                    <a:lumMod val="75000"/>
+                  </a:schemeClr>
+                </a:solidFill>
+              </a:rPr>
               <a:t>Check </a:t>
             </a:r>
             <a:r>
-              <a:rPr lang="fr-FR" sz="4000" dirty="0" err="1" smtClean="0"/>
+              <a:rPr lang="fr-FR" sz="4000" dirty="0" err="1" smtClean="0">
+                <a:solidFill>
+                  <a:schemeClr val="accent1">
+                    <a:lumMod val="75000"/>
+                  </a:schemeClr>
+                </a:solidFill>
+              </a:rPr>
               <a:t>paper</a:t>
             </a:r>
             <a:r>
-              <a:rPr lang="fr-FR" sz="4000" dirty="0" smtClean="0"/>
+              <a:rPr lang="fr-FR" sz="4000" dirty="0" smtClean="0">
+                <a:solidFill>
+                  <a:schemeClr val="accent1">
+                    <a:lumMod val="75000"/>
+                  </a:schemeClr>
+                </a:solidFill>
+              </a:rPr>
               <a:t> </a:t>
             </a:r>
-            <a:endParaRPr lang="fr-FR" sz="4000" dirty="0" smtClean="0"/>
           </a:p>
           <a:p>
             <a:pPr algn="r"/>
             <a:r>
-              <a:rPr lang="fr-FR" sz="4000" dirty="0" err="1" smtClean="0"/>
+              <a:rPr lang="fr-FR" sz="4000" dirty="0" err="1" smtClean="0">
+                <a:solidFill>
+                  <a:schemeClr val="accent1">
+                    <a:lumMod val="75000"/>
+                  </a:schemeClr>
+                </a:solidFill>
+              </a:rPr>
               <a:t>is</a:t>
             </a:r>
             <a:r>
-              <a:rPr lang="fr-FR" sz="4000" dirty="0" smtClean="0"/>
+              <a:rPr lang="fr-FR" sz="4000" dirty="0" smtClean="0">
+                <a:solidFill>
+                  <a:schemeClr val="accent1">
+                    <a:lumMod val="75000"/>
+                  </a:schemeClr>
+                </a:solidFill>
+              </a:rPr>
               <a:t> </a:t>
             </a:r>
             <a:r>
-              <a:rPr lang="fr-FR" sz="4000" dirty="0" err="1" smtClean="0"/>
+              <a:rPr lang="fr-FR" sz="4000" dirty="0" err="1" smtClean="0">
+                <a:solidFill>
+                  <a:schemeClr val="accent1">
+                    <a:lumMod val="75000"/>
+                  </a:schemeClr>
+                </a:solidFill>
+              </a:rPr>
               <a:t>well</a:t>
             </a:r>
             <a:r>
-              <a:rPr lang="fr-FR" sz="4000" dirty="0" smtClean="0"/>
+              <a:rPr lang="fr-FR" sz="4000" dirty="0" smtClean="0">
+                <a:solidFill>
+                  <a:schemeClr val="accent1">
+                    <a:lumMod val="75000"/>
+                  </a:schemeClr>
+                </a:solidFill>
+              </a:rPr>
               <a:t> </a:t>
             </a:r>
             <a:r>
-              <a:rPr lang="fr-FR" sz="4000" dirty="0" err="1" smtClean="0"/>
+              <a:rPr lang="fr-FR" sz="4000" dirty="0" err="1" smtClean="0">
+                <a:solidFill>
+                  <a:schemeClr val="accent1">
+                    <a:lumMod val="75000"/>
+                  </a:schemeClr>
+                </a:solidFill>
+              </a:rPr>
               <a:t>formed</a:t>
             </a:r>
-            <a:endParaRPr lang="fr-FR" sz="4000" dirty="0"/>
+            <a:endParaRPr lang="fr-FR" sz="4000" dirty="0">
+              <a:solidFill>
+                <a:schemeClr val="accent1">
+                  <a:lumMod val="75000"/>
+                </a:schemeClr>
+              </a:solidFill>
+            </a:endParaRPr>
           </a:p>
         </p:txBody>
       </p:sp>
@@ -14882,11 +14999,7 @@
             </a:r>
             <a:r>
               <a:rPr lang="fr-FR" dirty="0" smtClean="0"/>
-              <a:t> </a:t>
-            </a:r>
-            <a:r>
-              <a:rPr lang="fr-FR" dirty="0" smtClean="0"/>
-              <a:t>#2</a:t>
+              <a:t> #2</a:t>
             </a:r>
             <a:br>
               <a:rPr lang="fr-FR" dirty="0" smtClean="0"/>
@@ -15207,18 +15320,42 @@
           <a:p>
             <a:pPr algn="r"/>
             <a:r>
-              <a:rPr lang="fr-FR" sz="4000" dirty="0" err="1" smtClean="0"/>
+              <a:rPr lang="fr-FR" sz="4000" dirty="0" err="1" smtClean="0">
+                <a:solidFill>
+                  <a:schemeClr val="accent1">
+                    <a:lumMod val="75000"/>
+                  </a:schemeClr>
+                </a:solidFill>
+              </a:rPr>
               <a:t>Enable</a:t>
             </a:r>
             <a:r>
-              <a:rPr lang="fr-FR" sz="4000" dirty="0" smtClean="0"/>
+              <a:rPr lang="fr-FR" sz="4000" dirty="0" smtClean="0">
+                <a:solidFill>
+                  <a:schemeClr val="accent1">
+                    <a:lumMod val="75000"/>
+                  </a:schemeClr>
+                </a:solidFill>
+              </a:rPr>
               <a:t> collaborative vote for </a:t>
             </a:r>
             <a:r>
-              <a:rPr lang="fr-FR" sz="4000" dirty="0" err="1" smtClean="0"/>
+              <a:rPr lang="fr-FR" sz="4000" dirty="0" err="1" smtClean="0">
+                <a:solidFill>
+                  <a:schemeClr val="accent1">
+                    <a:lumMod val="75000"/>
+                  </a:schemeClr>
+                </a:solidFill>
+              </a:rPr>
               <a:t>papers</a:t>
             </a:r>
-            <a:endParaRPr lang="fr-FR" sz="4000" dirty="0"/>
+            <a:endParaRPr lang="fr-FR" sz="4000" dirty="0">
+              <a:solidFill>
+                <a:schemeClr val="accent1">
+                  <a:lumMod val="75000"/>
+                </a:schemeClr>
+              </a:solidFill>
+            </a:endParaRPr>
           </a:p>
         </p:txBody>
       </p:sp>
@@ -15329,11 +15466,7 @@
             </a:r>
             <a:r>
               <a:rPr lang="fr-FR" dirty="0" smtClean="0"/>
-              <a:t> </a:t>
-            </a:r>
-            <a:r>
-              <a:rPr lang="fr-FR" dirty="0" smtClean="0"/>
-              <a:t>#3</a:t>
+              <a:t> #3</a:t>
             </a:r>
             <a:br>
               <a:rPr lang="fr-FR" dirty="0" smtClean="0"/>
@@ -15682,26 +15815,62 @@
           <a:p>
             <a:pPr algn="r"/>
             <a:r>
-              <a:rPr lang="fr-FR" sz="4000" dirty="0" smtClean="0"/>
+              <a:rPr lang="fr-FR" sz="4000" dirty="0" smtClean="0">
+                <a:solidFill>
+                  <a:schemeClr val="accent1">
+                    <a:lumMod val="75000"/>
+                  </a:schemeClr>
+                </a:solidFill>
+              </a:rPr>
               <a:t>Show </a:t>
             </a:r>
             <a:r>
-              <a:rPr lang="fr-FR" sz="4000" dirty="0" err="1" smtClean="0"/>
+              <a:rPr lang="fr-FR" sz="4000" dirty="0" err="1" smtClean="0">
+                <a:solidFill>
+                  <a:schemeClr val="accent1">
+                    <a:lumMod val="75000"/>
+                  </a:schemeClr>
+                </a:solidFill>
+              </a:rPr>
               <a:t>validated</a:t>
             </a:r>
             <a:r>
-              <a:rPr lang="fr-FR" sz="4000" dirty="0" smtClean="0"/>
+              <a:rPr lang="fr-FR" sz="4000" dirty="0" smtClean="0">
+                <a:solidFill>
+                  <a:schemeClr val="accent1">
+                    <a:lumMod val="75000"/>
+                  </a:schemeClr>
+                </a:solidFill>
+              </a:rPr>
               <a:t> </a:t>
             </a:r>
             <a:r>
-              <a:rPr lang="fr-FR" sz="4000" dirty="0" err="1" smtClean="0"/>
+              <a:rPr lang="fr-FR" sz="4000" dirty="0" err="1" smtClean="0">
+                <a:solidFill>
+                  <a:schemeClr val="accent1">
+                    <a:lumMod val="75000"/>
+                  </a:schemeClr>
+                </a:solidFill>
+              </a:rPr>
               <a:t>papers</a:t>
             </a:r>
             <a:r>
-              <a:rPr lang="fr-FR" sz="4000" dirty="0" smtClean="0"/>
+              <a:rPr lang="fr-FR" sz="4000" dirty="0" smtClean="0">
+                <a:solidFill>
+                  <a:schemeClr val="accent1">
+                    <a:lumMod val="75000"/>
+                  </a:schemeClr>
+                </a:solidFill>
+              </a:rPr>
               <a:t> on the web application</a:t>
             </a:r>
-            <a:endParaRPr lang="fr-FR" sz="4000" dirty="0"/>
+            <a:endParaRPr lang="fr-FR" sz="4000" dirty="0">
+              <a:solidFill>
+                <a:schemeClr val="accent1">
+                  <a:lumMod val="75000"/>
+                </a:schemeClr>
+              </a:solidFill>
+            </a:endParaRPr>
           </a:p>
         </p:txBody>
       </p:sp>
@@ -16243,11 +16412,7 @@
             </a:r>
             <a:r>
               <a:rPr lang="fr-FR" dirty="0" smtClean="0"/>
-              <a:t> </a:t>
-            </a:r>
-            <a:r>
-              <a:rPr lang="fr-FR" dirty="0" smtClean="0"/>
-              <a:t>#4</a:t>
+              <a:t> #4</a:t>
             </a:r>
             <a:br>
               <a:rPr lang="fr-FR" dirty="0" smtClean="0"/>
@@ -16396,11 +16561,7 @@
             </a:r>
             <a:r>
               <a:rPr lang="fr-FR" dirty="0" smtClean="0"/>
-              <a:t> </a:t>
-            </a:r>
-            <a:r>
-              <a:rPr lang="fr-FR" dirty="0" smtClean="0"/>
-              <a:t>#5</a:t>
+              <a:t> #5</a:t>
             </a:r>
             <a:endParaRPr lang="fr-FR" dirty="0"/>
           </a:p>
@@ -16447,42 +16608,112 @@
           <a:p>
             <a:pPr algn="r"/>
             <a:r>
-              <a:rPr lang="fr-FR" sz="4000" dirty="0" smtClean="0"/>
+              <a:rPr lang="fr-FR" sz="4000" dirty="0" smtClean="0">
+                <a:solidFill>
+                  <a:schemeClr val="accent1">
+                    <a:lumMod val="75000"/>
+                  </a:schemeClr>
+                </a:solidFill>
+              </a:rPr>
               <a:t>And how to </a:t>
             </a:r>
-            <a:r>
-              <a:rPr lang="fr-FR" sz="4000" dirty="0" err="1" smtClean="0"/>
+            <a:endParaRPr lang="fr-FR" sz="4000" dirty="0" smtClean="0">
+              <a:solidFill>
+                <a:schemeClr val="accent1">
+                  <a:lumMod val="75000"/>
+                </a:schemeClr>
+              </a:solidFill>
+            </a:endParaRPr>
+          </a:p>
+          <a:p>
+            <a:pPr algn="r"/>
+            <a:r>
+              <a:rPr lang="fr-FR" sz="4000" dirty="0" err="1" smtClean="0">
+                <a:solidFill>
+                  <a:schemeClr val="accent1">
+                    <a:lumMod val="75000"/>
+                  </a:schemeClr>
+                </a:solidFill>
+              </a:rPr>
               <a:t>map</a:t>
             </a:r>
             <a:r>
-              <a:rPr lang="fr-FR" sz="4000" dirty="0" smtClean="0"/>
+              <a:rPr lang="fr-FR" sz="4000" dirty="0" smtClean="0">
+                <a:solidFill>
+                  <a:schemeClr val="accent1">
+                    <a:lumMod val="75000"/>
+                  </a:schemeClr>
+                </a:solidFill>
+              </a:rPr>
               <a:t> the </a:t>
             </a:r>
             <a:r>
-              <a:rPr lang="fr-FR" sz="4000" dirty="0" err="1" smtClean="0"/>
+              <a:rPr lang="fr-FR" sz="4000" dirty="0" err="1" smtClean="0">
+                <a:solidFill>
+                  <a:schemeClr val="accent1">
+                    <a:lumMod val="75000"/>
+                  </a:schemeClr>
+                </a:solidFill>
+              </a:rPr>
               <a:t>webapp</a:t>
             </a:r>
             <a:r>
-              <a:rPr lang="fr-FR" sz="4000" dirty="0" smtClean="0"/>
+              <a:rPr lang="fr-FR" sz="4000" dirty="0" smtClean="0">
+                <a:solidFill>
+                  <a:schemeClr val="accent1">
+                    <a:lumMod val="75000"/>
+                  </a:schemeClr>
+                </a:solidFill>
+              </a:rPr>
               <a:t> </a:t>
             </a:r>
             <a:r>
-              <a:rPr lang="fr-FR" sz="4000" dirty="0" err="1" smtClean="0"/>
+              <a:rPr lang="fr-FR" sz="4000" dirty="0" err="1" smtClean="0">
+                <a:solidFill>
+                  <a:schemeClr val="accent1">
+                    <a:lumMod val="75000"/>
+                  </a:schemeClr>
+                </a:solidFill>
+              </a:rPr>
               <a:t>with</a:t>
             </a:r>
             <a:r>
-              <a:rPr lang="fr-FR" sz="4000" dirty="0" smtClean="0"/>
+              <a:rPr lang="fr-FR" sz="4000" dirty="0" smtClean="0">
+                <a:solidFill>
+                  <a:schemeClr val="accent1">
+                    <a:lumMod val="75000"/>
+                  </a:schemeClr>
+                </a:solidFill>
+              </a:rPr>
               <a:t> the </a:t>
             </a:r>
             <a:r>
-              <a:rPr lang="fr-FR" sz="4000" dirty="0" err="1" smtClean="0"/>
+              <a:rPr lang="fr-FR" sz="4000" dirty="0" err="1" smtClean="0">
+                <a:solidFill>
+                  <a:schemeClr val="accent1">
+                    <a:lumMod val="75000"/>
+                  </a:schemeClr>
+                </a:solidFill>
+              </a:rPr>
               <a:t>process</a:t>
             </a:r>
             <a:r>
-              <a:rPr lang="fr-FR" sz="4000" dirty="0" smtClean="0"/>
+              <a:rPr lang="fr-FR" sz="4000" dirty="0" smtClean="0">
+                <a:solidFill>
+                  <a:schemeClr val="accent1">
+                    <a:lumMod val="75000"/>
+                  </a:schemeClr>
+                </a:solidFill>
+              </a:rPr>
               <a:t> ?</a:t>
             </a:r>
-            <a:endParaRPr lang="fr-FR" sz="4000" dirty="0"/>
+            <a:endParaRPr lang="fr-FR" sz="4000" dirty="0">
+              <a:solidFill>
+                <a:schemeClr val="accent1">
+                  <a:lumMod val="75000"/>
+                </a:schemeClr>
+              </a:solidFill>
+            </a:endParaRPr>
           </a:p>
         </p:txBody>
       </p:sp>
@@ -16593,11 +16824,7 @@
             </a:r>
             <a:r>
               <a:rPr lang="fr-FR" dirty="0" smtClean="0"/>
-              <a:t> </a:t>
-            </a:r>
-            <a:r>
-              <a:rPr lang="fr-FR" dirty="0" smtClean="0"/>
-              <a:t>#5</a:t>
+              <a:t> #5</a:t>
             </a:r>
             <a:br>
               <a:rPr lang="fr-FR" dirty="0" smtClean="0"/>
@@ -17702,7 +17929,9 @@
             <a:r>
               <a:rPr lang="fr-FR" sz="2800" dirty="0" smtClean="0">
                 <a:solidFill>
-                  <a:schemeClr val="accent4"/>
+                  <a:schemeClr val="accent5">
+                    <a:lumMod val="50000"/>
+                  </a:schemeClr>
                 </a:solidFill>
               </a:rPr>
               <a:t>Ok, </a:t>
@@ -17710,7 +17939,9 @@
             <a:r>
               <a:rPr lang="fr-FR" sz="2800" dirty="0" err="1" smtClean="0">
                 <a:solidFill>
-                  <a:schemeClr val="accent4"/>
+                  <a:schemeClr val="accent5">
+                    <a:lumMod val="50000"/>
+                  </a:schemeClr>
                 </a:solidFill>
               </a:rPr>
               <a:t>we</a:t>
@@ -17718,7 +17949,9 @@
             <a:r>
               <a:rPr lang="fr-FR" sz="2800" dirty="0" smtClean="0">
                 <a:solidFill>
-                  <a:schemeClr val="accent4"/>
+                  <a:schemeClr val="accent5">
+                    <a:lumMod val="50000"/>
+                  </a:schemeClr>
                 </a:solidFill>
               </a:rPr>
               <a:t> </a:t>
@@ -17726,7 +17959,9 @@
             <a:r>
               <a:rPr lang="fr-FR" sz="2800" dirty="0" err="1" smtClean="0">
                 <a:solidFill>
-                  <a:schemeClr val="accent4"/>
+                  <a:schemeClr val="accent5">
+                    <a:lumMod val="50000"/>
+                  </a:schemeClr>
                 </a:solidFill>
               </a:rPr>
               <a:t>can</a:t>
@@ -17734,7 +17969,9 @@
             <a:r>
               <a:rPr lang="fr-FR" sz="2800" dirty="0" smtClean="0">
                 <a:solidFill>
-                  <a:schemeClr val="accent4"/>
+                  <a:schemeClr val="accent5">
+                    <a:lumMod val="50000"/>
+                  </a:schemeClr>
                 </a:solidFill>
               </a:rPr>
               <a:t> imagine </a:t>
@@ -17742,7 +17979,9 @@
             <a:r>
               <a:rPr lang="fr-FR" sz="2800" dirty="0" err="1" smtClean="0">
                 <a:solidFill>
-                  <a:schemeClr val="accent4"/>
+                  <a:schemeClr val="accent5">
+                    <a:lumMod val="50000"/>
+                  </a:schemeClr>
                 </a:solidFill>
               </a:rPr>
               <a:t>some</a:t>
@@ -17750,7 +17989,9 @@
             <a:r>
               <a:rPr lang="fr-FR" sz="2800" dirty="0" smtClean="0">
                 <a:solidFill>
-                  <a:schemeClr val="accent4"/>
+                  <a:schemeClr val="accent5">
+                    <a:lumMod val="50000"/>
+                  </a:schemeClr>
                 </a:solidFill>
               </a:rPr>
               <a:t> </a:t>
@@ -17758,7 +17999,9 @@
             <a:r>
               <a:rPr lang="fr-FR" sz="2800" dirty="0" err="1" smtClean="0">
                 <a:solidFill>
-                  <a:schemeClr val="accent4"/>
+                  <a:schemeClr val="accent5">
+                    <a:lumMod val="50000"/>
+                  </a:schemeClr>
                 </a:solidFill>
               </a:rPr>
               <a:t>feature</a:t>
@@ -17766,7 +18009,9 @@
             <a:r>
               <a:rPr lang="fr-FR" sz="2800" dirty="0" smtClean="0">
                 <a:solidFill>
-                  <a:schemeClr val="accent4"/>
+                  <a:schemeClr val="accent5">
+                    <a:lumMod val="50000"/>
+                  </a:schemeClr>
                 </a:solidFill>
               </a:rPr>
               <a:t> </a:t>
@@ -17774,7 +18019,9 @@
             <a:r>
               <a:rPr lang="fr-FR" sz="2800" dirty="0" err="1" smtClean="0">
                 <a:solidFill>
-                  <a:schemeClr val="accent4"/>
+                  <a:schemeClr val="accent5">
+                    <a:lumMod val="50000"/>
+                  </a:schemeClr>
                 </a:solidFill>
               </a:rPr>
               <a:t>requests</a:t>
@@ -17782,7 +18029,9 @@
             <a:r>
               <a:rPr lang="fr-FR" sz="2800" dirty="0" smtClean="0">
                 <a:solidFill>
-                  <a:schemeClr val="accent4"/>
+                  <a:schemeClr val="accent5">
+                    <a:lumMod val="50000"/>
+                  </a:schemeClr>
                 </a:solidFill>
               </a:rPr>
               <a:t> </a:t>
@@ -17790,7 +18039,9 @@
             <a:r>
               <a:rPr lang="fr-FR" sz="2800" dirty="0" err="1" smtClean="0">
                 <a:solidFill>
-                  <a:schemeClr val="accent4"/>
+                  <a:schemeClr val="accent5">
+                    <a:lumMod val="50000"/>
+                  </a:schemeClr>
                 </a:solidFill>
               </a:rPr>
               <a:t>now</a:t>
@@ -17798,14 +18049,18 @@
             <a:r>
               <a:rPr lang="fr-FR" sz="2800" dirty="0" smtClean="0">
                 <a:solidFill>
-                  <a:schemeClr val="accent4"/>
+                  <a:schemeClr val="accent5">
+                    <a:lumMod val="50000"/>
+                  </a:schemeClr>
                 </a:solidFill>
               </a:rPr>
               <a:t> !</a:t>
             </a:r>
             <a:endParaRPr lang="fr-FR" sz="2800" dirty="0">
               <a:solidFill>
-                <a:schemeClr val="accent4"/>
+                <a:schemeClr val="accent5">
+                  <a:lumMod val="50000"/>
+                </a:schemeClr>
               </a:solidFill>
             </a:endParaRPr>
           </a:p>
@@ -17921,7 +18176,7 @@
         <p:spPr>
           <a:xfrm>
             <a:off x="471219" y="1806419"/>
-            <a:ext cx="1903085" cy="3770263"/>
+            <a:ext cx="2008883" cy="3770263"/>
           </a:xfrm>
           <a:prstGeom prst="rect">
             <a:avLst/>
@@ -17937,14 +18192,18 @@
             <a:r>
               <a:rPr lang="fr-FR" sz="23900" b="1" dirty="0" smtClean="0">
                 <a:solidFill>
-                  <a:srgbClr val="E70707"/>
+                  <a:schemeClr val="accent5">
+                    <a:lumMod val="50000"/>
+                  </a:schemeClr>
                 </a:solidFill>
               </a:rPr>
               <a:t>B</a:t>
             </a:r>
             <a:endParaRPr lang="fr-FR" sz="23900" b="1" dirty="0">
               <a:solidFill>
-                <a:srgbClr val="E70707"/>
+                <a:schemeClr val="accent5">
+                  <a:lumMod val="50000"/>
+                </a:schemeClr>
               </a:solidFill>
             </a:endParaRPr>
           </a:p>
@@ -17959,7 +18218,7 @@
         <p:spPr>
           <a:xfrm>
             <a:off x="2168534" y="1818977"/>
-            <a:ext cx="1816523" cy="3770263"/>
+            <a:ext cx="1983235" cy="3770263"/>
           </a:xfrm>
           <a:prstGeom prst="rect">
             <a:avLst/>
@@ -17975,14 +18234,18 @@
             <a:r>
               <a:rPr lang="fr-FR" sz="23900" b="1" dirty="0" smtClean="0">
                 <a:solidFill>
-                  <a:srgbClr val="E70707"/>
+                  <a:schemeClr val="accent5">
+                    <a:lumMod val="50000"/>
+                  </a:schemeClr>
                 </a:solidFill>
               </a:rPr>
               <a:t>P</a:t>
             </a:r>
             <a:endParaRPr lang="fr-FR" sz="23900" b="1" dirty="0">
               <a:solidFill>
-                <a:srgbClr val="E70707"/>
+                <a:schemeClr val="accent5">
+                  <a:lumMod val="50000"/>
+                </a:schemeClr>
               </a:solidFill>
             </a:endParaRPr>
           </a:p>
@@ -17997,7 +18260,7 @@
         <p:spPr>
           <a:xfrm>
             <a:off x="3783587" y="1818977"/>
-            <a:ext cx="2863284" cy="3770263"/>
+            <a:ext cx="2468946" cy="3770263"/>
           </a:xfrm>
           <a:prstGeom prst="rect">
             <a:avLst/>
@@ -18013,14 +18276,18 @@
             <a:r>
               <a:rPr lang="fr-FR" sz="23900" b="1" dirty="0" smtClean="0">
                 <a:solidFill>
-                  <a:srgbClr val="E70707"/>
+                  <a:schemeClr val="accent5">
+                    <a:lumMod val="50000"/>
+                  </a:schemeClr>
                 </a:solidFill>
               </a:rPr>
               <a:t>M</a:t>
             </a:r>
             <a:endParaRPr lang="fr-FR" sz="23900" b="1" dirty="0">
               <a:solidFill>
-                <a:srgbClr val="E70707"/>
+                <a:schemeClr val="accent5">
+                  <a:lumMod val="50000"/>
+                </a:schemeClr>
               </a:solidFill>
             </a:endParaRPr>
           </a:p>
@@ -18035,7 +18302,7 @@
         <p:spPr>
           <a:xfrm>
             <a:off x="6178579" y="1818977"/>
-            <a:ext cx="1633781" cy="3770263"/>
+            <a:ext cx="1750800" cy="3770263"/>
           </a:xfrm>
           <a:prstGeom prst="rect">
             <a:avLst/>
@@ -18051,14 +18318,20 @@
             <a:r>
               <a:rPr lang="fr-FR" sz="23900" b="1" dirty="0" smtClean="0">
                 <a:solidFill>
-                  <a:srgbClr val="E70707"/>
+                  <a:schemeClr val="accent5">
+                    <a:lumMod val="60000"/>
+                    <a:lumOff val="40000"/>
+                  </a:schemeClr>
                 </a:solidFill>
               </a:rPr>
               <a:t>S</a:t>
             </a:r>
             <a:endParaRPr lang="fr-FR" sz="23900" b="1" dirty="0">
               <a:solidFill>
-                <a:srgbClr val="E70707"/>
+                <a:schemeClr val="accent5">
+                  <a:lumMod val="60000"/>
+                  <a:lumOff val="40000"/>
+                </a:schemeClr>
               </a:solidFill>
             </a:endParaRPr>
           </a:p>
@@ -18177,8 +18450,8 @@
         </p:nvSpPr>
         <p:spPr>
           <a:xfrm rot="21251447">
-            <a:off x="1012128" y="2108673"/>
-            <a:ext cx="2414700" cy="923330"/>
+            <a:off x="952561" y="2108673"/>
+            <a:ext cx="2533835" cy="923330"/>
           </a:xfrm>
           <a:prstGeom prst="rect">
             <a:avLst/>
@@ -18194,8 +18467,8 @@
             <a:r>
               <a:rPr lang="fr-FR" sz="5400" b="1" dirty="0" err="1" smtClean="0">
                 <a:solidFill>
-                  <a:schemeClr val="accent6">
-                    <a:lumMod val="75000"/>
+                  <a:schemeClr val="accent5">
+                    <a:lumMod val="50000"/>
                   </a:schemeClr>
                 </a:solidFill>
               </a:rPr>
@@ -18204,8 +18477,8 @@
             <a:r>
               <a:rPr lang="fr-FR" sz="5400" b="1" dirty="0" smtClean="0">
                 <a:solidFill>
-                  <a:schemeClr val="accent6">
-                    <a:lumMod val="75000"/>
+                  <a:schemeClr val="accent5">
+                    <a:lumMod val="50000"/>
                   </a:schemeClr>
                 </a:solidFill>
               </a:rPr>
@@ -18213,8 +18486,8 @@
             </a:r>
             <a:endParaRPr lang="fr-FR" sz="5400" b="1" dirty="0">
               <a:solidFill>
-                <a:schemeClr val="accent6">
-                  <a:lumMod val="75000"/>
+                <a:schemeClr val="accent5">
+                  <a:lumMod val="50000"/>
                 </a:schemeClr>
               </a:solidFill>
             </a:endParaRPr>
@@ -18334,8 +18607,8 @@
         </p:nvSpPr>
         <p:spPr>
           <a:xfrm rot="21251447">
-            <a:off x="649928" y="2079243"/>
-            <a:ext cx="3256020" cy="923330"/>
+            <a:off x="498444" y="2079243"/>
+            <a:ext cx="3558988" cy="923330"/>
           </a:xfrm>
           <a:prstGeom prst="rect">
             <a:avLst/>
@@ -18351,8 +18624,8 @@
             <a:r>
               <a:rPr lang="fr-FR" sz="5400" b="1" dirty="0" err="1" smtClean="0">
                 <a:solidFill>
-                  <a:schemeClr val="accent6">
-                    <a:lumMod val="75000"/>
+                  <a:schemeClr val="accent5">
+                    <a:lumMod val="50000"/>
                   </a:schemeClr>
                 </a:solidFill>
               </a:rPr>
@@ -18361,8 +18634,8 @@
             <a:r>
               <a:rPr lang="fr-FR" sz="5400" b="1" dirty="0" smtClean="0">
                 <a:solidFill>
-                  <a:schemeClr val="accent6">
-                    <a:lumMod val="75000"/>
+                  <a:schemeClr val="accent5">
+                    <a:lumMod val="50000"/>
                   </a:schemeClr>
                 </a:solidFill>
               </a:rPr>
@@ -18370,8 +18643,8 @@
             </a:r>
             <a:endParaRPr lang="fr-FR" sz="5400" b="1" dirty="0">
               <a:solidFill>
-                <a:schemeClr val="accent6">
-                  <a:lumMod val="75000"/>
+                <a:schemeClr val="accent5">
+                  <a:lumMod val="50000"/>
                 </a:schemeClr>
               </a:solidFill>
             </a:endParaRPr>
@@ -18491,8 +18764,8 @@
         </p:nvSpPr>
         <p:spPr>
           <a:xfrm rot="21251447">
-            <a:off x="1420770" y="2072559"/>
-            <a:ext cx="1701107" cy="923330"/>
+            <a:off x="597629" y="2072559"/>
+            <a:ext cx="3347391" cy="923330"/>
           </a:xfrm>
           <a:prstGeom prst="rect">
             <a:avLst/>
@@ -18506,10 +18779,20 @@
           <a:lstStyle/>
           <a:p>
             <a:r>
+              <a:rPr lang="fr-FR" sz="5400" b="1" dirty="0" smtClean="0">
+                <a:solidFill>
+                  <a:schemeClr val="accent5">
+                    <a:lumMod val="50000"/>
+                  </a:schemeClr>
+                </a:solidFill>
+              </a:rPr>
+              <a:t>and </a:t>
+            </a:r>
+            <a:r>
               <a:rPr lang="fr-FR" sz="5400" b="1" dirty="0" err="1" smtClean="0">
                 <a:solidFill>
-                  <a:schemeClr val="accent6">
-                    <a:lumMod val="75000"/>
+                  <a:schemeClr val="accent5">
+                    <a:lumMod val="50000"/>
                   </a:schemeClr>
                 </a:solidFill>
               </a:rPr>
@@ -18518,17 +18801,27 @@
             <a:r>
               <a:rPr lang="fr-FR" sz="5400" b="1" dirty="0" smtClean="0">
                 <a:solidFill>
-                  <a:schemeClr val="accent6">
-                    <a:lumMod val="75000"/>
+                  <a:schemeClr val="accent5">
+                    <a:lumMod val="50000"/>
                   </a:schemeClr>
                 </a:solidFill>
               </a:rPr>
-              <a:t> !</a:t>
+              <a:t> </a:t>
+            </a:r>
+            <a:r>
+              <a:rPr lang="fr-FR" sz="5400" b="1" dirty="0" smtClean="0">
+                <a:solidFill>
+                  <a:schemeClr val="accent5">
+                    <a:lumMod val="50000"/>
+                  </a:schemeClr>
+                </a:solidFill>
+              </a:rPr>
+              <a:t>!</a:t>
             </a:r>
             <a:endParaRPr lang="fr-FR" sz="5400" b="1" dirty="0">
               <a:solidFill>
-                <a:schemeClr val="accent6">
-                  <a:lumMod val="75000"/>
+                <a:schemeClr val="accent5">
+                  <a:lumMod val="50000"/>
                 </a:schemeClr>
               </a:solidFill>
             </a:endParaRPr>
@@ -18606,42 +18899,42 @@
 <file path=ppt/theme/theme1.xml><?xml version="1.0" encoding="utf-8"?>
 <a:theme xmlns:a="http://schemas.openxmlformats.org/drawingml/2006/main" name="ind_0197_slide">
   <a:themeElements>
-    <a:clrScheme name="Office Theme 2">
+    <a:clrScheme name="Horizon">
       <a:dk1>
-        <a:srgbClr val="333333"/>
+        <a:srgbClr val="000000"/>
       </a:dk1>
       <a:lt1>
         <a:srgbClr val="FFFFFF"/>
       </a:lt1>
       <a:dk2>
-        <a:srgbClr val="996600"/>
+        <a:srgbClr val="1F2123"/>
       </a:dk2>
       <a:lt2>
-        <a:srgbClr val="FFFFFF"/>
+        <a:srgbClr val="DC9E1F"/>
       </a:lt2>
       <a:accent1>
-        <a:srgbClr val="F7A863"/>
+        <a:srgbClr val="7E97AD"/>
       </a:accent1>
       <a:accent2>
-        <a:srgbClr val="D9C541"/>
+        <a:srgbClr val="CC8E60"/>
       </a:accent2>
       <a:accent3>
-        <a:srgbClr val="CAB8AA"/>
+        <a:srgbClr val="7A6A60"/>
       </a:accent3>
       <a:accent4>
-        <a:srgbClr val="DADADA"/>
+        <a:srgbClr val="B4936D"/>
       </a:accent4>
       <a:accent5>
-        <a:srgbClr val="FAD1B7"/>
+        <a:srgbClr val="67787B"/>
       </a:accent5>
       <a:accent6>
-        <a:srgbClr val="C4B23A"/>
+        <a:srgbClr val="9D936F"/>
       </a:accent6>
       <a:hlink>
-        <a:srgbClr val="F7CA6F"/>
+        <a:srgbClr val="646464"/>
       </a:hlink>
       <a:folHlink>
-        <a:srgbClr val="F7CCC3"/>
+        <a:srgbClr val="969696"/>
       </a:folHlink>
     </a:clrScheme>
     <a:fontScheme name="Thème Office">
@@ -19160,42 +19453,42 @@
 <file path=ppt/theme/theme2.xml><?xml version="1.0" encoding="utf-8"?>
 <a:theme xmlns:a="http://schemas.openxmlformats.org/drawingml/2006/main" name="1_Default Design">
   <a:themeElements>
-    <a:clrScheme name="1_Default Design 2">
+    <a:clrScheme name="Horizon">
       <a:dk1>
-        <a:srgbClr val="333333"/>
+        <a:srgbClr val="000000"/>
       </a:dk1>
       <a:lt1>
         <a:srgbClr val="FFFFFF"/>
       </a:lt1>
       <a:dk2>
-        <a:srgbClr val="996600"/>
+        <a:srgbClr val="1F2123"/>
       </a:dk2>
       <a:lt2>
-        <a:srgbClr val="FFFFFF"/>
+        <a:srgbClr val="DC9E1F"/>
       </a:lt2>
       <a:accent1>
-        <a:srgbClr val="F7A863"/>
+        <a:srgbClr val="7E97AD"/>
       </a:accent1>
       <a:accent2>
-        <a:srgbClr val="D9C541"/>
+        <a:srgbClr val="CC8E60"/>
       </a:accent2>
       <a:accent3>
-        <a:srgbClr val="CAB8AA"/>
+        <a:srgbClr val="7A6A60"/>
       </a:accent3>
       <a:accent4>
-        <a:srgbClr val="DADADA"/>
+        <a:srgbClr val="B4936D"/>
       </a:accent4>
       <a:accent5>
-        <a:srgbClr val="FAD1B7"/>
+        <a:srgbClr val="67787B"/>
       </a:accent5>
       <a:accent6>
-        <a:srgbClr val="C4B23A"/>
+        <a:srgbClr val="9D936F"/>
       </a:accent6>
       <a:hlink>
-        <a:srgbClr val="F7CA6F"/>
+        <a:srgbClr val="646464"/>
       </a:hlink>
       <a:folHlink>
-        <a:srgbClr val="F7CCC3"/>
+        <a:srgbClr val="969696"/>
       </a:folHlink>
     </a:clrScheme>
     <a:fontScheme name="1_Default Design">
@@ -19714,42 +20007,42 @@
 <file path=ppt/theme/theme3.xml><?xml version="1.0" encoding="utf-8"?>
 <a:theme xmlns:a="http://schemas.openxmlformats.org/drawingml/2006/main" name="Contiguïté">
   <a:themeElements>
-    <a:clrScheme name="Contiguïté">
+    <a:clrScheme name="Horizon">
       <a:dk1>
-        <a:srgbClr val="2F2B20"/>
+        <a:srgbClr val="000000"/>
       </a:dk1>
       <a:lt1>
         <a:srgbClr val="FFFFFF"/>
       </a:lt1>
       <a:dk2>
-        <a:srgbClr val="675E47"/>
+        <a:srgbClr val="1F2123"/>
       </a:dk2>
       <a:lt2>
-        <a:srgbClr val="DFDCB7"/>
+        <a:srgbClr val="DC9E1F"/>
       </a:lt2>
       <a:accent1>
-        <a:srgbClr val="A9A57C"/>
+        <a:srgbClr val="7E97AD"/>
       </a:accent1>
       <a:accent2>
-        <a:srgbClr val="9CBEBD"/>
+        <a:srgbClr val="CC8E60"/>
       </a:accent2>
       <a:accent3>
-        <a:srgbClr val="D2CB6C"/>
+        <a:srgbClr val="7A6A60"/>
       </a:accent3>
       <a:accent4>
-        <a:srgbClr val="95A39D"/>
+        <a:srgbClr val="B4936D"/>
       </a:accent4>
       <a:accent5>
-        <a:srgbClr val="C89F5D"/>
+        <a:srgbClr val="67787B"/>
       </a:accent5>
       <a:accent6>
-        <a:srgbClr val="B1A089"/>
+        <a:srgbClr val="9D936F"/>
       </a:accent6>
       <a:hlink>
-        <a:srgbClr val="D25814"/>
+        <a:srgbClr val="646464"/>
       </a:hlink>
       <a:folHlink>
-        <a:srgbClr val="849A0A"/>
+        <a:srgbClr val="969696"/>
       </a:folHlink>
     </a:clrScheme>
     <a:fontScheme name="Opulent">
